--- a/doc/02_外部設計/外部設計_麻雀アプリ.pptx
+++ b/doc/02_外部設計/外部設計_麻雀アプリ.pptx
@@ -600,6 +600,101 @@
 </p:notes>
 </file>
 
+<file path=ppt/notesSlides/notesSlide10.xml><?xml version="1.0" encoding="utf-8"?>
+<p:notes xmlns:a="http://schemas.openxmlformats.org/drawingml/2006/main" xmlns:r="http://schemas.openxmlformats.org/officeDocument/2006/relationships" xmlns:p="http://schemas.openxmlformats.org/presentationml/2006/main">
+  <p:cSld>
+    <p:spTree>
+      <p:nvGrpSpPr>
+        <p:cNvPr id="1" name=""/>
+        <p:cNvGrpSpPr/>
+        <p:nvPr/>
+      </p:nvGrpSpPr>
+      <p:grpSpPr>
+        <a:xfrm>
+          <a:off x="0" y="0"/>
+          <a:ext cx="0" cy="0"/>
+          <a:chOff x="0" y="0"/>
+          <a:chExt cx="0" cy="0"/>
+        </a:xfrm>
+      </p:grpSpPr>
+      <p:sp>
+        <p:nvSpPr>
+          <p:cNvPr id="2" name="スライド イメージ プレースホルダー 1"/>
+          <p:cNvSpPr>
+            <a:spLocks noGrp="1" noRot="1" noChangeAspect="1"/>
+          </p:cNvSpPr>
+          <p:nvPr>
+            <p:ph type="sldImg"/>
+          </p:nvPr>
+        </p:nvSpPr>
+        <p:spPr/>
+      </p:sp>
+      <p:sp>
+        <p:nvSpPr>
+          <p:cNvPr id="3" name="ノート プレースホルダー 2"/>
+          <p:cNvSpPr>
+            <a:spLocks noGrp="1"/>
+          </p:cNvSpPr>
+          <p:nvPr>
+            <p:ph type="body" idx="1"/>
+          </p:nvPr>
+        </p:nvSpPr>
+        <p:spPr/>
+        <p:txBody>
+          <a:bodyPr/>
+          <a:lstStyle/>
+          <a:p>
+            <a:r>
+              <a:rPr kumimoji="1" lang="ja-JP" altLang="en-US" dirty="0"/>
+              <a:t>目次案</a:t>
+            </a:r>
+            <a:r>
+              <a:rPr kumimoji="1" lang="en-US" altLang="ja-JP" dirty="0"/>
+              <a:t>2</a:t>
+            </a:r>
+            <a:r>
+              <a:rPr kumimoji="1" lang="ja-JP" altLang="en-US" dirty="0"/>
+              <a:t>つあり</a:t>
+            </a:r>
+          </a:p>
+        </p:txBody>
+      </p:sp>
+      <p:sp>
+        <p:nvSpPr>
+          <p:cNvPr id="4" name="スライド番号プレースホルダー 3"/>
+          <p:cNvSpPr>
+            <a:spLocks noGrp="1"/>
+          </p:cNvSpPr>
+          <p:nvPr>
+            <p:ph type="sldNum" sz="quarter" idx="5"/>
+          </p:nvPr>
+        </p:nvSpPr>
+        <p:spPr/>
+        <p:txBody>
+          <a:bodyPr/>
+          <a:lstStyle/>
+          <a:p>
+            <a:fld id="{FB51D46C-5BF1-4F21-A2D1-995C14923322}" type="slidenum">
+              <a:rPr kumimoji="1" lang="ja-JP" altLang="en-US" smtClean="0"/>
+              <a:t>20</a:t>
+            </a:fld>
+            <a:endParaRPr kumimoji="1" lang="ja-JP" altLang="en-US"/>
+          </a:p>
+        </p:txBody>
+      </p:sp>
+    </p:spTree>
+    <p:extLst>
+      <p:ext uri="{BB962C8B-B14F-4D97-AF65-F5344CB8AC3E}">
+        <p14:creationId xmlns:p14="http://schemas.microsoft.com/office/powerpoint/2010/main" val="685031853"/>
+      </p:ext>
+    </p:extLst>
+  </p:cSld>
+  <p:clrMapOvr>
+    <a:masterClrMapping/>
+  </p:clrMapOvr>
+</p:notes>
+</file>
+
 <file path=ppt/notesSlides/notesSlide2.xml><?xml version="1.0" encoding="utf-8"?>
 <p:notes xmlns:a="http://schemas.openxmlformats.org/drawingml/2006/main" xmlns:r="http://schemas.openxmlformats.org/officeDocument/2006/relationships" xmlns:p="http://schemas.openxmlformats.org/presentationml/2006/main">
   <p:cSld>
@@ -943,16 +1038,108 @@
           <a:p>
             <a:r>
               <a:rPr kumimoji="1" lang="ja-JP" altLang="en-US" dirty="0"/>
-              <a:t>クリックしたら</a:t>
-            </a:r>
+              <a:t>・手牌</a:t>
+            </a:r>
+            <a:endParaRPr kumimoji="1" lang="en-US" altLang="ja-JP" dirty="0"/>
+          </a:p>
+          <a:p>
+            <a:r>
+              <a:rPr kumimoji="1" lang="ja-JP" altLang="en-US" dirty="0"/>
+              <a:t>・ロン・ツモ</a:t>
+            </a:r>
+            <a:endParaRPr kumimoji="1" lang="en-US" altLang="ja-JP" dirty="0"/>
+          </a:p>
+          <a:p>
             <a:r>
               <a:rPr lang="ja-JP" altLang="en-US" dirty="0"/>
-              <a:t>キーボードが出てくる</a:t>
-            </a:r>
+              <a:t>・ドラ表示牌</a:t>
+            </a:r>
+            <a:endParaRPr lang="en-US" altLang="ja-JP" dirty="0"/>
+          </a:p>
+          <a:p>
             <a:r>
               <a:rPr kumimoji="1" lang="ja-JP" altLang="en-US" dirty="0"/>
-              <a:t>ようにしたいけど、スマホだとできない？</a:t>
-            </a:r>
+              <a:t>・裏ドラ表示牌</a:t>
+            </a:r>
+            <a:endParaRPr kumimoji="1" lang="en-US" altLang="ja-JP" dirty="0"/>
+          </a:p>
+          <a:p>
+            <a:r>
+              <a:rPr lang="ja-JP" altLang="en-US" dirty="0"/>
+              <a:t>・役</a:t>
+            </a:r>
+            <a:r>
+              <a:rPr kumimoji="1" lang="ja-JP" altLang="en-US" dirty="0">
+                <a:solidFill>
+                  <a:srgbClr val="FF0000"/>
+                </a:solidFill>
+              </a:rPr>
+              <a:t>（強調）</a:t>
+            </a:r>
+            <a:endParaRPr lang="en-US" altLang="ja-JP" dirty="0"/>
+          </a:p>
+          <a:p>
+            <a:r>
+              <a:rPr kumimoji="1" lang="ja-JP" altLang="en-US" dirty="0"/>
+              <a:t>・役の飜</a:t>
+            </a:r>
+            <a:r>
+              <a:rPr kumimoji="1" lang="ja-JP" altLang="en-US" dirty="0">
+                <a:solidFill>
+                  <a:srgbClr val="FF0000"/>
+                </a:solidFill>
+              </a:rPr>
+              <a:t>（強調）</a:t>
+            </a:r>
+            <a:endParaRPr kumimoji="1" lang="en-US" altLang="ja-JP" dirty="0"/>
+          </a:p>
+          <a:p>
+            <a:r>
+              <a:rPr lang="ja-JP" altLang="en-US" dirty="0"/>
+              <a:t>・合計値</a:t>
+            </a:r>
+            <a:endParaRPr lang="en-US" altLang="ja-JP" dirty="0"/>
+          </a:p>
+          <a:p>
+            <a:r>
+              <a:rPr kumimoji="1" lang="ja-JP" altLang="en-US" dirty="0"/>
+              <a:t>・点数　</a:t>
+            </a:r>
+            <a:r>
+              <a:rPr kumimoji="1" lang="ja-JP" altLang="en-US" dirty="0">
+                <a:solidFill>
+                  <a:srgbClr val="FF0000"/>
+                </a:solidFill>
+              </a:rPr>
+              <a:t>（強調）</a:t>
+            </a:r>
+            <a:endParaRPr kumimoji="1" lang="en-US" altLang="ja-JP" dirty="0">
+              <a:solidFill>
+                <a:srgbClr val="FF0000"/>
+              </a:solidFill>
+            </a:endParaRPr>
+          </a:p>
+          <a:p>
+            <a:r>
+              <a:rPr lang="ja-JP" altLang="en-US" dirty="0"/>
+              <a:t>・点数名</a:t>
+            </a:r>
+            <a:r>
+              <a:rPr kumimoji="1" lang="ja-JP" altLang="en-US" dirty="0">
+                <a:solidFill>
+                  <a:srgbClr val="FF0000"/>
+                </a:solidFill>
+              </a:rPr>
+              <a:t>（強調）</a:t>
+            </a:r>
+            <a:endParaRPr lang="en-US" altLang="ja-JP" dirty="0"/>
+          </a:p>
+          <a:p>
+            <a:r>
+              <a:rPr lang="ja-JP" altLang="en-US" dirty="0"/>
+              <a:t>・次へボタン</a:t>
+            </a:r>
+            <a:endParaRPr lang="en-US" altLang="ja-JP" dirty="0"/>
           </a:p>
           <a:p>
             <a:endParaRPr kumimoji="1" lang="ja-JP" altLang="en-US" dirty="0"/>
@@ -976,7 +1163,7 @@
           <a:p>
             <a:fld id="{FB51D46C-5BF1-4F21-A2D1-995C14923322}" type="slidenum">
               <a:rPr kumimoji="1" lang="ja-JP" altLang="en-US" smtClean="0"/>
-              <a:t>9</a:t>
+              <a:t>7</a:t>
             </a:fld>
             <a:endParaRPr kumimoji="1" lang="ja-JP" altLang="en-US"/>
           </a:p>
@@ -985,7 +1172,7 @@
     </p:spTree>
     <p:extLst>
       <p:ext uri="{BB962C8B-B14F-4D97-AF65-F5344CB8AC3E}">
-        <p14:creationId xmlns:p14="http://schemas.microsoft.com/office/powerpoint/2010/main" val="170539172"/>
+        <p14:creationId xmlns:p14="http://schemas.microsoft.com/office/powerpoint/2010/main" val="1794801409"/>
       </p:ext>
     </p:extLst>
   </p:cSld>
@@ -1041,14 +1228,7 @@
           <a:p>
             <a:r>
               <a:rPr kumimoji="1" lang="ja-JP" altLang="en-US" dirty="0"/>
-              <a:t>自分の順位は必須項目（空で終了ボタンを押したらエラー表示）</a:t>
-            </a:r>
-            <a:endParaRPr kumimoji="1" lang="en-US" altLang="ja-JP" dirty="0"/>
-          </a:p>
-          <a:p>
-            <a:r>
-              <a:rPr kumimoji="1" lang="ja-JP" altLang="en-US" dirty="0"/>
-              <a:t>他の人は任意入力</a:t>
+              <a:t>ポップアップ表示</a:t>
             </a:r>
           </a:p>
         </p:txBody>
@@ -1070,7 +1250,7 @@
           <a:p>
             <a:fld id="{FB51D46C-5BF1-4F21-A2D1-995C14923322}" type="slidenum">
               <a:rPr kumimoji="1" lang="ja-JP" altLang="en-US" smtClean="0"/>
-              <a:t>10</a:t>
+              <a:t>8</a:t>
             </a:fld>
             <a:endParaRPr kumimoji="1" lang="ja-JP" altLang="en-US"/>
           </a:p>
@@ -1079,7 +1259,7 @@
     </p:spTree>
     <p:extLst>
       <p:ext uri="{BB962C8B-B14F-4D97-AF65-F5344CB8AC3E}">
-        <p14:creationId xmlns:p14="http://schemas.microsoft.com/office/powerpoint/2010/main" val="3497991107"/>
+        <p14:creationId xmlns:p14="http://schemas.microsoft.com/office/powerpoint/2010/main" val="71942319"/>
       </p:ext>
     </p:extLst>
   </p:cSld>
@@ -1133,34 +1313,17 @@
           <a:bodyPr/>
           <a:lstStyle/>
           <a:p>
-            <a:pPr marL="0" marR="0" lvl="0" indent="0" algn="l" defTabSz="914400" rtl="0" eaLnBrk="1" fontAlgn="auto" latinLnBrk="0" hangingPunct="1">
-              <a:lnSpc>
-                <a:spcPct val="100000"/>
-              </a:lnSpc>
-              <a:spcBef>
-                <a:spcPts val="0"/>
-              </a:spcBef>
-              <a:spcAft>
-                <a:spcPts val="0"/>
-              </a:spcAft>
-              <a:buClrTx/>
-              <a:buSzTx/>
-              <a:buFontTx/>
-              <a:buNone/>
-              <a:tabLst/>
-              <a:defRPr/>
-            </a:pPr>
-            <a:r>
-              <a:rPr kumimoji="1" lang="ja-JP" altLang="en-US" sz="1200" dirty="0"/>
-              <a:t>点数が</a:t>
-            </a:r>
-            <a:r>
-              <a:rPr kumimoji="1" lang="en-US" altLang="ja-JP" sz="1200" dirty="0"/>
-              <a:t>8000</a:t>
-            </a:r>
-            <a:r>
-              <a:rPr kumimoji="1" lang="ja-JP" altLang="en-US" sz="1200" dirty="0"/>
-              <a:t>点以上だった場合デコレーションしたい</a:t>
+            <a:r>
+              <a:rPr kumimoji="1" lang="ja-JP" altLang="en-US" dirty="0"/>
+              <a:t>クリックしたら</a:t>
+            </a:r>
+            <a:r>
+              <a:rPr lang="ja-JP" altLang="en-US" dirty="0"/>
+              <a:t>キーボードが出てくる</a:t>
+            </a:r>
+            <a:r>
+              <a:rPr kumimoji="1" lang="ja-JP" altLang="en-US" dirty="0"/>
+              <a:t>ようにしたいけど、スマホだとできない？</a:t>
             </a:r>
           </a:p>
           <a:p>
@@ -1185,7 +1348,7 @@
           <a:p>
             <a:fld id="{FB51D46C-5BF1-4F21-A2D1-995C14923322}" type="slidenum">
               <a:rPr kumimoji="1" lang="ja-JP" altLang="en-US" smtClean="0"/>
-              <a:t>16</a:t>
+              <a:t>9</a:t>
             </a:fld>
             <a:endParaRPr kumimoji="1" lang="ja-JP" altLang="en-US"/>
           </a:p>
@@ -1194,7 +1357,7 @@
     </p:spTree>
     <p:extLst>
       <p:ext uri="{BB962C8B-B14F-4D97-AF65-F5344CB8AC3E}">
-        <p14:creationId xmlns:p14="http://schemas.microsoft.com/office/powerpoint/2010/main" val="1710724793"/>
+        <p14:creationId xmlns:p14="http://schemas.microsoft.com/office/powerpoint/2010/main" val="170539172"/>
       </p:ext>
     </p:extLst>
   </p:cSld>
@@ -1250,15 +1413,14 @@
           <a:p>
             <a:r>
               <a:rPr kumimoji="1" lang="ja-JP" altLang="en-US" dirty="0"/>
-              <a:t>目次案</a:t>
-            </a:r>
-            <a:r>
-              <a:rPr kumimoji="1" lang="en-US" altLang="ja-JP" dirty="0"/>
-              <a:t>2</a:t>
-            </a:r>
+              <a:t>自分の順位は必須項目（空で終了ボタンを押したらエラー表示）</a:t>
+            </a:r>
+            <a:endParaRPr kumimoji="1" lang="en-US" altLang="ja-JP" dirty="0"/>
+          </a:p>
+          <a:p>
             <a:r>
               <a:rPr kumimoji="1" lang="ja-JP" altLang="en-US" dirty="0"/>
-              <a:t>つあり</a:t>
+              <a:t>他の人は任意入力</a:t>
             </a:r>
           </a:p>
         </p:txBody>
@@ -1280,7 +1442,7 @@
           <a:p>
             <a:fld id="{FB51D46C-5BF1-4F21-A2D1-995C14923322}" type="slidenum">
               <a:rPr kumimoji="1" lang="ja-JP" altLang="en-US" smtClean="0"/>
-              <a:t>20</a:t>
+              <a:t>10</a:t>
             </a:fld>
             <a:endParaRPr kumimoji="1" lang="ja-JP" altLang="en-US"/>
           </a:p>
@@ -1289,7 +1451,122 @@
     </p:spTree>
     <p:extLst>
       <p:ext uri="{BB962C8B-B14F-4D97-AF65-F5344CB8AC3E}">
-        <p14:creationId xmlns:p14="http://schemas.microsoft.com/office/powerpoint/2010/main" val="685031853"/>
+        <p14:creationId xmlns:p14="http://schemas.microsoft.com/office/powerpoint/2010/main" val="3497991107"/>
+      </p:ext>
+    </p:extLst>
+  </p:cSld>
+  <p:clrMapOvr>
+    <a:masterClrMapping/>
+  </p:clrMapOvr>
+</p:notes>
+</file>
+
+<file path=ppt/notesSlides/notesSlide9.xml><?xml version="1.0" encoding="utf-8"?>
+<p:notes xmlns:a="http://schemas.openxmlformats.org/drawingml/2006/main" xmlns:r="http://schemas.openxmlformats.org/officeDocument/2006/relationships" xmlns:p="http://schemas.openxmlformats.org/presentationml/2006/main">
+  <p:cSld>
+    <p:spTree>
+      <p:nvGrpSpPr>
+        <p:cNvPr id="1" name=""/>
+        <p:cNvGrpSpPr/>
+        <p:nvPr/>
+      </p:nvGrpSpPr>
+      <p:grpSpPr>
+        <a:xfrm>
+          <a:off x="0" y="0"/>
+          <a:ext cx="0" cy="0"/>
+          <a:chOff x="0" y="0"/>
+          <a:chExt cx="0" cy="0"/>
+        </a:xfrm>
+      </p:grpSpPr>
+      <p:sp>
+        <p:nvSpPr>
+          <p:cNvPr id="2" name="スライド イメージ プレースホルダー 1"/>
+          <p:cNvSpPr>
+            <a:spLocks noGrp="1" noRot="1" noChangeAspect="1"/>
+          </p:cNvSpPr>
+          <p:nvPr>
+            <p:ph type="sldImg"/>
+          </p:nvPr>
+        </p:nvSpPr>
+        <p:spPr/>
+      </p:sp>
+      <p:sp>
+        <p:nvSpPr>
+          <p:cNvPr id="3" name="ノート プレースホルダー 2"/>
+          <p:cNvSpPr>
+            <a:spLocks noGrp="1"/>
+          </p:cNvSpPr>
+          <p:nvPr>
+            <p:ph type="body" idx="1"/>
+          </p:nvPr>
+        </p:nvSpPr>
+        <p:spPr/>
+        <p:txBody>
+          <a:bodyPr/>
+          <a:lstStyle/>
+          <a:p>
+            <a:pPr marL="0" marR="0" lvl="0" indent="0" algn="l" defTabSz="914400" rtl="0" eaLnBrk="1" fontAlgn="auto" latinLnBrk="0" hangingPunct="1">
+              <a:lnSpc>
+                <a:spcPct val="100000"/>
+              </a:lnSpc>
+              <a:spcBef>
+                <a:spcPts val="0"/>
+              </a:spcBef>
+              <a:spcAft>
+                <a:spcPts val="0"/>
+              </a:spcAft>
+              <a:buClrTx/>
+              <a:buSzTx/>
+              <a:buFontTx/>
+              <a:buNone/>
+              <a:tabLst/>
+              <a:defRPr/>
+            </a:pPr>
+            <a:r>
+              <a:rPr kumimoji="1" lang="ja-JP" altLang="en-US" sz="1200" dirty="0"/>
+              <a:t>点数が</a:t>
+            </a:r>
+            <a:r>
+              <a:rPr kumimoji="1" lang="en-US" altLang="ja-JP" sz="1200" dirty="0"/>
+              <a:t>8000</a:t>
+            </a:r>
+            <a:r>
+              <a:rPr kumimoji="1" lang="ja-JP" altLang="en-US" sz="1200" dirty="0"/>
+              <a:t>点以上だった場合デコレーションしたい</a:t>
+            </a:r>
+          </a:p>
+          <a:p>
+            <a:endParaRPr kumimoji="1" lang="ja-JP" altLang="en-US" dirty="0"/>
+          </a:p>
+        </p:txBody>
+      </p:sp>
+      <p:sp>
+        <p:nvSpPr>
+          <p:cNvPr id="4" name="スライド番号プレースホルダー 3"/>
+          <p:cNvSpPr>
+            <a:spLocks noGrp="1"/>
+          </p:cNvSpPr>
+          <p:nvPr>
+            <p:ph type="sldNum" sz="quarter" idx="5"/>
+          </p:nvPr>
+        </p:nvSpPr>
+        <p:spPr/>
+        <p:txBody>
+          <a:bodyPr/>
+          <a:lstStyle/>
+          <a:p>
+            <a:fld id="{FB51D46C-5BF1-4F21-A2D1-995C14923322}" type="slidenum">
+              <a:rPr kumimoji="1" lang="ja-JP" altLang="en-US" smtClean="0"/>
+              <a:t>16</a:t>
+            </a:fld>
+            <a:endParaRPr kumimoji="1" lang="ja-JP" altLang="en-US"/>
+          </a:p>
+        </p:txBody>
+      </p:sp>
+    </p:spTree>
+    <p:extLst>
+      <p:ext uri="{BB962C8B-B14F-4D97-AF65-F5344CB8AC3E}">
+        <p14:creationId xmlns:p14="http://schemas.microsoft.com/office/powerpoint/2010/main" val="1710724793"/>
       </p:ext>
     </p:extLst>
   </p:cSld>
@@ -13627,42 +13904,6 @@
           </a:p>
         </p:txBody>
       </p:sp>
-      <p:pic>
-        <p:nvPicPr>
-          <p:cNvPr id="4" name="図 3" descr="グラフィカル ユーザー インターフェイス&#10;&#10;自動的に生成された説明">
-            <a:extLst>
-              <a:ext uri="{FF2B5EF4-FFF2-40B4-BE49-F238E27FC236}">
-                <a16:creationId xmlns:a16="http://schemas.microsoft.com/office/drawing/2014/main" id="{DC57B0DB-4C2E-C537-B203-A6688A84A353}"/>
-              </a:ext>
-            </a:extLst>
-          </p:cNvPr>
-          <p:cNvPicPr>
-            <a:picLocks noChangeAspect="1"/>
-          </p:cNvPicPr>
-          <p:nvPr/>
-        </p:nvPicPr>
-        <p:blipFill>
-          <a:blip r:embed="rId2">
-            <a:extLst>
-              <a:ext uri="{28A0092B-C50C-407E-A947-70E740481C1C}">
-                <a14:useLocalDpi xmlns:a14="http://schemas.microsoft.com/office/drawing/2010/main" val="0"/>
-              </a:ext>
-            </a:extLst>
-          </a:blip>
-          <a:stretch>
-            <a:fillRect/>
-          </a:stretch>
-        </p:blipFill>
-        <p:spPr>
-          <a:xfrm>
-            <a:off x="1818492" y="1338748"/>
-            <a:ext cx="8555015" cy="5092531"/>
-          </a:xfrm>
-          <a:prstGeom prst="rect">
-            <a:avLst/>
-          </a:prstGeom>
-        </p:spPr>
-      </p:pic>
       <p:sp>
         <p:nvSpPr>
           <p:cNvPr id="5" name="テキスト ボックス 4">
@@ -13677,8 +13918,8 @@
         </p:nvSpPr>
         <p:spPr>
           <a:xfrm>
-            <a:off x="1583927" y="851069"/>
-            <a:ext cx="2031325" cy="461665"/>
+            <a:off x="1886962" y="1120180"/>
+            <a:ext cx="800219" cy="461665"/>
           </a:xfrm>
           <a:prstGeom prst="rect">
             <a:avLst/>
@@ -13692,18 +13933,19 @@
           <a:lstStyle/>
           <a:p>
             <a:r>
-              <a:rPr kumimoji="1" lang="ja-JP" altLang="en-US" sz="2400" dirty="0"/>
-              <a:t>イメージ画像</a:t>
-            </a:r>
-          </a:p>
-        </p:txBody>
-      </p:sp>
-      <p:sp>
-        <p:nvSpPr>
-          <p:cNvPr id="6" name="テキスト ボックス 5">
-            <a:extLst>
-              <a:ext uri="{FF2B5EF4-FFF2-40B4-BE49-F238E27FC236}">
-                <a16:creationId xmlns:a16="http://schemas.microsoft.com/office/drawing/2014/main" id="{A0C23DEF-2CA4-8704-56DF-AD9913FB661E}"/>
+              <a:rPr lang="ja-JP" altLang="en-US" sz="2400" u="sng" dirty="0"/>
+              <a:t>手牌</a:t>
+            </a:r>
+            <a:endParaRPr kumimoji="1" lang="ja-JP" altLang="en-US" sz="2400" u="sng" dirty="0"/>
+          </a:p>
+        </p:txBody>
+      </p:sp>
+      <p:sp>
+        <p:nvSpPr>
+          <p:cNvPr id="8" name="テキスト ボックス 7">
+            <a:extLst>
+              <a:ext uri="{FF2B5EF4-FFF2-40B4-BE49-F238E27FC236}">
+                <a16:creationId xmlns:a16="http://schemas.microsoft.com/office/drawing/2014/main" id="{46D797DD-FA8D-3501-A043-25E1E3F1FFCB}"/>
               </a:ext>
             </a:extLst>
           </p:cNvPr>
@@ -13712,143 +13954,8 @@
         </p:nvSpPr>
         <p:spPr>
           <a:xfrm>
-            <a:off x="-81280" y="2453852"/>
-            <a:ext cx="2031325" cy="2862322"/>
-          </a:xfrm>
-          <a:prstGeom prst="rect">
-            <a:avLst/>
-          </a:prstGeom>
-          <a:noFill/>
-        </p:spPr>
-        <p:txBody>
-          <a:bodyPr wrap="none" rtlCol="0">
-            <a:spAutoFit/>
-          </a:bodyPr>
-          <a:lstStyle/>
-          <a:p>
-            <a:r>
-              <a:rPr kumimoji="1" lang="ja-JP" altLang="en-US" dirty="0"/>
-              <a:t>・手牌</a:t>
-            </a:r>
-            <a:endParaRPr kumimoji="1" lang="en-US" altLang="ja-JP" dirty="0"/>
-          </a:p>
-          <a:p>
-            <a:r>
-              <a:rPr kumimoji="1" lang="ja-JP" altLang="en-US" dirty="0"/>
-              <a:t>・ロン・ツモ</a:t>
-            </a:r>
-            <a:endParaRPr kumimoji="1" lang="en-US" altLang="ja-JP" dirty="0"/>
-          </a:p>
-          <a:p>
-            <a:r>
-              <a:rPr lang="ja-JP" altLang="en-US" dirty="0"/>
-              <a:t>・ドラ表示牌</a:t>
-            </a:r>
-            <a:endParaRPr lang="en-US" altLang="ja-JP" dirty="0"/>
-          </a:p>
-          <a:p>
-            <a:r>
-              <a:rPr kumimoji="1" lang="ja-JP" altLang="en-US" dirty="0"/>
-              <a:t>・裏ドラ表示牌</a:t>
-            </a:r>
-            <a:endParaRPr kumimoji="1" lang="en-US" altLang="ja-JP" dirty="0"/>
-          </a:p>
-          <a:p>
-            <a:r>
-              <a:rPr lang="ja-JP" altLang="en-US" dirty="0"/>
-              <a:t>・役</a:t>
-            </a:r>
-            <a:r>
-              <a:rPr kumimoji="1" lang="ja-JP" altLang="en-US" dirty="0">
-                <a:solidFill>
-                  <a:srgbClr val="FF0000"/>
-                </a:solidFill>
-              </a:rPr>
-              <a:t>（強調）</a:t>
-            </a:r>
-            <a:endParaRPr lang="en-US" altLang="ja-JP" dirty="0"/>
-          </a:p>
-          <a:p>
-            <a:r>
-              <a:rPr kumimoji="1" lang="ja-JP" altLang="en-US" dirty="0"/>
-              <a:t>・役の飜</a:t>
-            </a:r>
-            <a:r>
-              <a:rPr kumimoji="1" lang="ja-JP" altLang="en-US" dirty="0">
-                <a:solidFill>
-                  <a:srgbClr val="FF0000"/>
-                </a:solidFill>
-              </a:rPr>
-              <a:t>（強調）</a:t>
-            </a:r>
-            <a:endParaRPr kumimoji="1" lang="en-US" altLang="ja-JP" dirty="0"/>
-          </a:p>
-          <a:p>
-            <a:r>
-              <a:rPr lang="ja-JP" altLang="en-US" dirty="0"/>
-              <a:t>・合計値</a:t>
-            </a:r>
-            <a:endParaRPr lang="en-US" altLang="ja-JP" dirty="0"/>
-          </a:p>
-          <a:p>
-            <a:r>
-              <a:rPr kumimoji="1" lang="ja-JP" altLang="en-US" dirty="0"/>
-              <a:t>・点数　</a:t>
-            </a:r>
-            <a:r>
-              <a:rPr kumimoji="1" lang="ja-JP" altLang="en-US" dirty="0">
-                <a:solidFill>
-                  <a:srgbClr val="FF0000"/>
-                </a:solidFill>
-              </a:rPr>
-              <a:t>（強調）</a:t>
-            </a:r>
-            <a:endParaRPr kumimoji="1" lang="en-US" altLang="ja-JP" dirty="0">
-              <a:solidFill>
-                <a:srgbClr val="FF0000"/>
-              </a:solidFill>
-            </a:endParaRPr>
-          </a:p>
-          <a:p>
-            <a:r>
-              <a:rPr lang="ja-JP" altLang="en-US" dirty="0"/>
-              <a:t>・点数名</a:t>
-            </a:r>
-            <a:r>
-              <a:rPr kumimoji="1" lang="ja-JP" altLang="en-US" dirty="0">
-                <a:solidFill>
-                  <a:srgbClr val="FF0000"/>
-                </a:solidFill>
-              </a:rPr>
-              <a:t>（強調）</a:t>
-            </a:r>
-            <a:endParaRPr lang="en-US" altLang="ja-JP" dirty="0"/>
-          </a:p>
-          <a:p>
-            <a:r>
-              <a:rPr lang="ja-JP" altLang="en-US" dirty="0"/>
-              <a:t>・次へボタン</a:t>
-            </a:r>
-            <a:endParaRPr lang="en-US" altLang="ja-JP" dirty="0"/>
-          </a:p>
-        </p:txBody>
-      </p:sp>
-      <p:sp>
-        <p:nvSpPr>
-          <p:cNvPr id="8" name="テキスト ボックス 7">
-            <a:extLst>
-              <a:ext uri="{FF2B5EF4-FFF2-40B4-BE49-F238E27FC236}">
-                <a16:creationId xmlns:a16="http://schemas.microsoft.com/office/drawing/2014/main" id="{46D797DD-FA8D-3501-A043-25E1E3F1FFCB}"/>
-              </a:ext>
-            </a:extLst>
-          </p:cNvPr>
-          <p:cNvSpPr txBox="1"/>
-          <p:nvPr/>
-        </p:nvSpPr>
-        <p:spPr>
-          <a:xfrm>
-            <a:off x="10576560" y="6172867"/>
-            <a:ext cx="1354100" cy="369332"/>
+            <a:off x="4442543" y="5313836"/>
+            <a:ext cx="2160345" cy="923330"/>
           </a:xfrm>
           <a:prstGeom prst="rect">
             <a:avLst/>
@@ -13867,6 +13974,10 @@
           <a:lstStyle/>
           <a:p>
             <a:pPr algn="ctr"/>
+            <a:endParaRPr kumimoji="1" lang="en-US" altLang="ja-JP" dirty="0"/>
+          </a:p>
+          <a:p>
+            <a:pPr algn="ctr"/>
             <a:r>
               <a:rPr kumimoji="1" lang="ja-JP" altLang="en-US" dirty="0"/>
               <a:t>次へ</a:t>
@@ -13879,7 +13990,619 @@
               <a:rPr lang="ja-JP" altLang="en-US" dirty="0"/>
               <a:t>へ</a:t>
             </a:r>
+            <a:endParaRPr lang="en-US" altLang="ja-JP" dirty="0"/>
+          </a:p>
+          <a:p>
+            <a:pPr algn="ctr"/>
             <a:endParaRPr kumimoji="1" lang="ja-JP" altLang="en-US" dirty="0"/>
+          </a:p>
+        </p:txBody>
+      </p:sp>
+      <p:sp>
+        <p:nvSpPr>
+          <p:cNvPr id="3" name="テキスト ボックス 2">
+            <a:extLst>
+              <a:ext uri="{FF2B5EF4-FFF2-40B4-BE49-F238E27FC236}">
+                <a16:creationId xmlns:a16="http://schemas.microsoft.com/office/drawing/2014/main" id="{03519E8D-B6B4-8909-FD2E-CAEF27B41239}"/>
+              </a:ext>
+            </a:extLst>
+          </p:cNvPr>
+          <p:cNvSpPr txBox="1"/>
+          <p:nvPr/>
+        </p:nvSpPr>
+        <p:spPr>
+          <a:xfrm>
+            <a:off x="5633886" y="4222924"/>
+            <a:ext cx="4050890" cy="523220"/>
+          </a:xfrm>
+          <a:prstGeom prst="rect">
+            <a:avLst/>
+          </a:prstGeom>
+        </p:spPr>
+        <p:style>
+          <a:lnRef idx="2">
+            <a:schemeClr val="dk1"/>
+          </a:lnRef>
+          <a:fillRef idx="1">
+            <a:schemeClr val="lt1"/>
+          </a:fillRef>
+          <a:effectRef idx="0">
+            <a:schemeClr val="dk1"/>
+          </a:effectRef>
+          <a:fontRef idx="minor">
+            <a:schemeClr val="dk1"/>
+          </a:fontRef>
+        </p:style>
+        <p:txBody>
+          <a:bodyPr wrap="square" rtlCol="0">
+            <a:spAutoFit/>
+          </a:bodyPr>
+          <a:lstStyle/>
+          <a:p>
+            <a:r>
+              <a:rPr kumimoji="1" lang="ja-JP" altLang="en-US" sz="2800" u="sng" dirty="0"/>
+              <a:t>点数</a:t>
+            </a:r>
+          </a:p>
+        </p:txBody>
+      </p:sp>
+      <p:pic>
+        <p:nvPicPr>
+          <p:cNvPr id="7" name="Picture 2" descr="麻雀牌のイラスト（萬子）">
+            <a:extLst>
+              <a:ext uri="{FF2B5EF4-FFF2-40B4-BE49-F238E27FC236}">
+                <a16:creationId xmlns:a16="http://schemas.microsoft.com/office/drawing/2014/main" id="{CCC7EFF7-5B32-5AF5-9082-9A2755BCBCC0}"/>
+              </a:ext>
+            </a:extLst>
+          </p:cNvPr>
+          <p:cNvPicPr>
+            <a:picLocks noChangeAspect="1" noChangeArrowheads="1"/>
+          </p:cNvPicPr>
+          <p:nvPr/>
+        </p:nvPicPr>
+        <p:blipFill>
+          <a:blip r:embed="rId3">
+            <a:extLst>
+              <a:ext uri="{28A0092B-C50C-407E-A947-70E740481C1C}">
+                <a14:useLocalDpi xmlns:a14="http://schemas.microsoft.com/office/drawing/2010/main" val="0"/>
+              </a:ext>
+            </a:extLst>
+          </a:blip>
+          <a:srcRect/>
+          <a:stretch>
+            <a:fillRect/>
+          </a:stretch>
+        </p:blipFill>
+        <p:spPr bwMode="auto">
+          <a:xfrm>
+            <a:off x="2850327" y="948383"/>
+            <a:ext cx="5032878" cy="805260"/>
+          </a:xfrm>
+          <a:prstGeom prst="rect">
+            <a:avLst/>
+          </a:prstGeom>
+          <a:noFill/>
+          <a:extLst>
+            <a:ext uri="{909E8E84-426E-40DD-AFC4-6F175D3DCCD1}">
+              <a14:hiddenFill xmlns:a14="http://schemas.microsoft.com/office/drawing/2010/main">
+                <a:solidFill>
+                  <a:srgbClr val="FFFFFF"/>
+                </a:solidFill>
+              </a14:hiddenFill>
+            </a:ext>
+          </a:extLst>
+        </p:spPr>
+      </p:pic>
+      <p:pic>
+        <p:nvPicPr>
+          <p:cNvPr id="9" name="図 8" descr="テキスト が含まれている画像&#10;&#10;自動的に生成された説明">
+            <a:extLst>
+              <a:ext uri="{FF2B5EF4-FFF2-40B4-BE49-F238E27FC236}">
+                <a16:creationId xmlns:a16="http://schemas.microsoft.com/office/drawing/2014/main" id="{68DE292B-1A59-415D-4546-3D404BB919F6}"/>
+              </a:ext>
+            </a:extLst>
+          </p:cNvPr>
+          <p:cNvPicPr>
+            <a:picLocks noChangeAspect="1"/>
+          </p:cNvPicPr>
+          <p:nvPr/>
+        </p:nvPicPr>
+        <p:blipFill>
+          <a:blip r:embed="rId4">
+            <a:extLst>
+              <a:ext uri="{28A0092B-C50C-407E-A947-70E740481C1C}">
+                <a14:useLocalDpi xmlns:a14="http://schemas.microsoft.com/office/drawing/2010/main" val="0"/>
+              </a:ext>
+            </a:extLst>
+          </a:blip>
+          <a:stretch>
+            <a:fillRect/>
+          </a:stretch>
+        </p:blipFill>
+        <p:spPr>
+          <a:xfrm>
+            <a:off x="8349778" y="959195"/>
+            <a:ext cx="506270" cy="726742"/>
+          </a:xfrm>
+          <a:prstGeom prst="rect">
+            <a:avLst/>
+          </a:prstGeom>
+        </p:spPr>
+      </p:pic>
+      <p:sp>
+        <p:nvSpPr>
+          <p:cNvPr id="11" name="星: 5 pt 10">
+            <a:extLst>
+              <a:ext uri="{FF2B5EF4-FFF2-40B4-BE49-F238E27FC236}">
+                <a16:creationId xmlns:a16="http://schemas.microsoft.com/office/drawing/2014/main" id="{5912F473-A4F6-D97B-C06D-BDAEB331EEEC}"/>
+              </a:ext>
+            </a:extLst>
+          </p:cNvPr>
+          <p:cNvSpPr/>
+          <p:nvPr/>
+        </p:nvSpPr>
+        <p:spPr>
+          <a:xfrm>
+            <a:off x="9419303" y="685726"/>
+            <a:ext cx="1297858" cy="1159432"/>
+          </a:xfrm>
+          <a:prstGeom prst="star5">
+            <a:avLst>
+              <a:gd name="adj" fmla="val 25234"/>
+              <a:gd name="hf" fmla="val 105146"/>
+              <a:gd name="vf" fmla="val 110557"/>
+            </a:avLst>
+          </a:prstGeom>
+          <a:solidFill>
+            <a:srgbClr val="FFFF00"/>
+          </a:solidFill>
+          <a:ln>
+            <a:solidFill>
+              <a:schemeClr val="tx1"/>
+            </a:solidFill>
+          </a:ln>
+        </p:spPr>
+        <p:style>
+          <a:lnRef idx="2">
+            <a:schemeClr val="accent6"/>
+          </a:lnRef>
+          <a:fillRef idx="1">
+            <a:schemeClr val="lt1"/>
+          </a:fillRef>
+          <a:effectRef idx="0">
+            <a:schemeClr val="accent6"/>
+          </a:effectRef>
+          <a:fontRef idx="minor">
+            <a:schemeClr val="dk1"/>
+          </a:fontRef>
+        </p:style>
+        <p:txBody>
+          <a:bodyPr rtlCol="0" anchor="ctr"/>
+          <a:lstStyle/>
+          <a:p>
+            <a:pPr algn="ctr"/>
+            <a:r>
+              <a:rPr kumimoji="1" lang="ja-JP" altLang="en-US" sz="1600" dirty="0"/>
+              <a:t>ツモ</a:t>
+            </a:r>
+          </a:p>
+        </p:txBody>
+      </p:sp>
+      <p:sp>
+        <p:nvSpPr>
+          <p:cNvPr id="12" name="テキスト ボックス 11">
+            <a:extLst>
+              <a:ext uri="{FF2B5EF4-FFF2-40B4-BE49-F238E27FC236}">
+                <a16:creationId xmlns:a16="http://schemas.microsoft.com/office/drawing/2014/main" id="{58CDD759-5452-2727-A794-30107226D44E}"/>
+              </a:ext>
+            </a:extLst>
+          </p:cNvPr>
+          <p:cNvSpPr txBox="1"/>
+          <p:nvPr/>
+        </p:nvSpPr>
+        <p:spPr>
+          <a:xfrm>
+            <a:off x="2687181" y="2057505"/>
+            <a:ext cx="646331" cy="369332"/>
+          </a:xfrm>
+          <a:prstGeom prst="rect">
+            <a:avLst/>
+          </a:prstGeom>
+          <a:noFill/>
+        </p:spPr>
+        <p:txBody>
+          <a:bodyPr wrap="none" rtlCol="0">
+            <a:spAutoFit/>
+          </a:bodyPr>
+          <a:lstStyle/>
+          <a:p>
+            <a:r>
+              <a:rPr kumimoji="1" lang="ja-JP" altLang="en-US" u="sng" dirty="0"/>
+              <a:t>ドラ</a:t>
+            </a:r>
+          </a:p>
+        </p:txBody>
+      </p:sp>
+      <p:sp>
+        <p:nvSpPr>
+          <p:cNvPr id="13" name="テキスト ボックス 12">
+            <a:extLst>
+              <a:ext uri="{FF2B5EF4-FFF2-40B4-BE49-F238E27FC236}">
+                <a16:creationId xmlns:a16="http://schemas.microsoft.com/office/drawing/2014/main" id="{A639C997-FF69-E408-1168-05D1D60D8E9C}"/>
+              </a:ext>
+            </a:extLst>
+          </p:cNvPr>
+          <p:cNvSpPr txBox="1"/>
+          <p:nvPr/>
+        </p:nvSpPr>
+        <p:spPr>
+          <a:xfrm>
+            <a:off x="6096000" y="2090578"/>
+            <a:ext cx="877163" cy="369332"/>
+          </a:xfrm>
+          <a:prstGeom prst="rect">
+            <a:avLst/>
+          </a:prstGeom>
+          <a:noFill/>
+        </p:spPr>
+        <p:txBody>
+          <a:bodyPr wrap="none" rtlCol="0">
+            <a:spAutoFit/>
+          </a:bodyPr>
+          <a:lstStyle/>
+          <a:p>
+            <a:r>
+              <a:rPr kumimoji="1" lang="ja-JP" altLang="en-US" u="sng" dirty="0"/>
+              <a:t>裏ドラ</a:t>
+            </a:r>
+          </a:p>
+        </p:txBody>
+      </p:sp>
+      <p:sp>
+        <p:nvSpPr>
+          <p:cNvPr id="14" name="テキスト ボックス 13">
+            <a:extLst>
+              <a:ext uri="{FF2B5EF4-FFF2-40B4-BE49-F238E27FC236}">
+                <a16:creationId xmlns:a16="http://schemas.microsoft.com/office/drawing/2014/main" id="{FDE7BC12-EB08-7C14-86DE-6FBEEC77CB72}"/>
+              </a:ext>
+            </a:extLst>
+          </p:cNvPr>
+          <p:cNvSpPr txBox="1"/>
+          <p:nvPr/>
+        </p:nvSpPr>
+        <p:spPr>
+          <a:xfrm>
+            <a:off x="1993145" y="2688430"/>
+            <a:ext cx="415498" cy="369332"/>
+          </a:xfrm>
+          <a:prstGeom prst="rect">
+            <a:avLst/>
+          </a:prstGeom>
+          <a:noFill/>
+        </p:spPr>
+        <p:txBody>
+          <a:bodyPr wrap="none" rtlCol="0">
+            <a:spAutoFit/>
+          </a:bodyPr>
+          <a:lstStyle/>
+          <a:p>
+            <a:r>
+              <a:rPr lang="ja-JP" altLang="en-US" u="sng" dirty="0"/>
+              <a:t>役</a:t>
+            </a:r>
+            <a:endParaRPr kumimoji="1" lang="ja-JP" altLang="en-US" u="sng" dirty="0"/>
+          </a:p>
+        </p:txBody>
+      </p:sp>
+      <p:sp>
+        <p:nvSpPr>
+          <p:cNvPr id="15" name="テキスト ボックス 14">
+            <a:extLst>
+              <a:ext uri="{FF2B5EF4-FFF2-40B4-BE49-F238E27FC236}">
+                <a16:creationId xmlns:a16="http://schemas.microsoft.com/office/drawing/2014/main" id="{4BE3AD49-3D22-34E4-EA54-E0466BA8CB8C}"/>
+              </a:ext>
+            </a:extLst>
+          </p:cNvPr>
+          <p:cNvSpPr txBox="1"/>
+          <p:nvPr/>
+        </p:nvSpPr>
+        <p:spPr>
+          <a:xfrm>
+            <a:off x="1993145" y="3211616"/>
+            <a:ext cx="415498" cy="369332"/>
+          </a:xfrm>
+          <a:prstGeom prst="rect">
+            <a:avLst/>
+          </a:prstGeom>
+          <a:noFill/>
+        </p:spPr>
+        <p:txBody>
+          <a:bodyPr wrap="none" rtlCol="0">
+            <a:spAutoFit/>
+          </a:bodyPr>
+          <a:lstStyle/>
+          <a:p>
+            <a:r>
+              <a:rPr lang="ja-JP" altLang="en-US" u="sng" dirty="0"/>
+              <a:t>役</a:t>
+            </a:r>
+            <a:endParaRPr kumimoji="1" lang="ja-JP" altLang="en-US" u="sng" dirty="0"/>
+          </a:p>
+        </p:txBody>
+      </p:sp>
+      <p:sp>
+        <p:nvSpPr>
+          <p:cNvPr id="16" name="テキスト ボックス 15">
+            <a:extLst>
+              <a:ext uri="{FF2B5EF4-FFF2-40B4-BE49-F238E27FC236}">
+                <a16:creationId xmlns:a16="http://schemas.microsoft.com/office/drawing/2014/main" id="{8DEE6183-9593-9669-865F-8BFECB0C84B8}"/>
+              </a:ext>
+            </a:extLst>
+          </p:cNvPr>
+          <p:cNvSpPr txBox="1"/>
+          <p:nvPr/>
+        </p:nvSpPr>
+        <p:spPr>
+          <a:xfrm>
+            <a:off x="3397488" y="2688430"/>
+            <a:ext cx="415498" cy="369332"/>
+          </a:xfrm>
+          <a:prstGeom prst="rect">
+            <a:avLst/>
+          </a:prstGeom>
+          <a:noFill/>
+        </p:spPr>
+        <p:txBody>
+          <a:bodyPr wrap="none" rtlCol="0">
+            <a:spAutoFit/>
+          </a:bodyPr>
+          <a:lstStyle/>
+          <a:p>
+            <a:r>
+              <a:rPr lang="ja-JP" altLang="en-US" u="sng" dirty="0"/>
+              <a:t>役</a:t>
+            </a:r>
+            <a:endParaRPr kumimoji="1" lang="ja-JP" altLang="en-US" u="sng" dirty="0"/>
+          </a:p>
+        </p:txBody>
+      </p:sp>
+      <p:sp>
+        <p:nvSpPr>
+          <p:cNvPr id="17" name="テキスト ボックス 16">
+            <a:extLst>
+              <a:ext uri="{FF2B5EF4-FFF2-40B4-BE49-F238E27FC236}">
+                <a16:creationId xmlns:a16="http://schemas.microsoft.com/office/drawing/2014/main" id="{0D8F3C5A-8EBF-2393-1FC6-4B8E3F5F126D}"/>
+              </a:ext>
+            </a:extLst>
+          </p:cNvPr>
+          <p:cNvSpPr txBox="1"/>
+          <p:nvPr/>
+        </p:nvSpPr>
+        <p:spPr>
+          <a:xfrm>
+            <a:off x="4837914" y="2688430"/>
+            <a:ext cx="415498" cy="369332"/>
+          </a:xfrm>
+          <a:prstGeom prst="rect">
+            <a:avLst/>
+          </a:prstGeom>
+          <a:noFill/>
+        </p:spPr>
+        <p:txBody>
+          <a:bodyPr wrap="none" rtlCol="0">
+            <a:spAutoFit/>
+          </a:bodyPr>
+          <a:lstStyle/>
+          <a:p>
+            <a:r>
+              <a:rPr lang="ja-JP" altLang="en-US" u="sng" dirty="0"/>
+              <a:t>役</a:t>
+            </a:r>
+            <a:endParaRPr kumimoji="1" lang="ja-JP" altLang="en-US" u="sng" dirty="0"/>
+          </a:p>
+        </p:txBody>
+      </p:sp>
+      <p:sp>
+        <p:nvSpPr>
+          <p:cNvPr id="18" name="テキスト ボックス 17">
+            <a:extLst>
+              <a:ext uri="{FF2B5EF4-FFF2-40B4-BE49-F238E27FC236}">
+                <a16:creationId xmlns:a16="http://schemas.microsoft.com/office/drawing/2014/main" id="{BDDD2EA2-78EB-92D2-E37D-7AF9B33F1B1C}"/>
+              </a:ext>
+            </a:extLst>
+          </p:cNvPr>
+          <p:cNvSpPr txBox="1"/>
+          <p:nvPr/>
+        </p:nvSpPr>
+        <p:spPr>
+          <a:xfrm>
+            <a:off x="3397488" y="3211616"/>
+            <a:ext cx="415498" cy="369332"/>
+          </a:xfrm>
+          <a:prstGeom prst="rect">
+            <a:avLst/>
+          </a:prstGeom>
+          <a:noFill/>
+        </p:spPr>
+        <p:txBody>
+          <a:bodyPr wrap="none" rtlCol="0">
+            <a:spAutoFit/>
+          </a:bodyPr>
+          <a:lstStyle/>
+          <a:p>
+            <a:r>
+              <a:rPr lang="ja-JP" altLang="en-US" u="sng" dirty="0"/>
+              <a:t>役</a:t>
+            </a:r>
+            <a:endParaRPr kumimoji="1" lang="ja-JP" altLang="en-US" u="sng" dirty="0"/>
+          </a:p>
+        </p:txBody>
+      </p:sp>
+      <p:sp>
+        <p:nvSpPr>
+          <p:cNvPr id="19" name="テキスト ボックス 18">
+            <a:extLst>
+              <a:ext uri="{FF2B5EF4-FFF2-40B4-BE49-F238E27FC236}">
+                <a16:creationId xmlns:a16="http://schemas.microsoft.com/office/drawing/2014/main" id="{75E7E5AC-039C-44C3-28A6-1358CFD65E1F}"/>
+              </a:ext>
+            </a:extLst>
+          </p:cNvPr>
+          <p:cNvSpPr txBox="1"/>
+          <p:nvPr/>
+        </p:nvSpPr>
+        <p:spPr>
+          <a:xfrm>
+            <a:off x="4837914" y="3211616"/>
+            <a:ext cx="415498" cy="369332"/>
+          </a:xfrm>
+          <a:prstGeom prst="rect">
+            <a:avLst/>
+          </a:prstGeom>
+          <a:noFill/>
+        </p:spPr>
+        <p:txBody>
+          <a:bodyPr wrap="none" rtlCol="0">
+            <a:spAutoFit/>
+          </a:bodyPr>
+          <a:lstStyle/>
+          <a:p>
+            <a:r>
+              <a:rPr lang="ja-JP" altLang="en-US" u="sng" dirty="0"/>
+              <a:t>役</a:t>
+            </a:r>
+            <a:endParaRPr kumimoji="1" lang="ja-JP" altLang="en-US" u="sng" dirty="0"/>
+          </a:p>
+        </p:txBody>
+      </p:sp>
+      <p:sp>
+        <p:nvSpPr>
+          <p:cNvPr id="20" name="テキスト ボックス 19">
+            <a:extLst>
+              <a:ext uri="{FF2B5EF4-FFF2-40B4-BE49-F238E27FC236}">
+                <a16:creationId xmlns:a16="http://schemas.microsoft.com/office/drawing/2014/main" id="{FD9A7A0D-8EE2-E4BD-A2BF-A08DBADDF8FD}"/>
+              </a:ext>
+            </a:extLst>
+          </p:cNvPr>
+          <p:cNvSpPr txBox="1"/>
+          <p:nvPr/>
+        </p:nvSpPr>
+        <p:spPr>
+          <a:xfrm>
+            <a:off x="6164306" y="2850160"/>
+            <a:ext cx="877163" cy="369332"/>
+          </a:xfrm>
+          <a:prstGeom prst="rect">
+            <a:avLst/>
+          </a:prstGeom>
+          <a:noFill/>
+        </p:spPr>
+        <p:txBody>
+          <a:bodyPr wrap="none" rtlCol="0">
+            <a:spAutoFit/>
+          </a:bodyPr>
+          <a:lstStyle/>
+          <a:p>
+            <a:r>
+              <a:rPr kumimoji="1" lang="ja-JP" altLang="en-US" u="sng" dirty="0"/>
+              <a:t>役の飜</a:t>
+            </a:r>
+          </a:p>
+        </p:txBody>
+      </p:sp>
+      <p:sp>
+        <p:nvSpPr>
+          <p:cNvPr id="21" name="テキスト ボックス 20">
+            <a:extLst>
+              <a:ext uri="{FF2B5EF4-FFF2-40B4-BE49-F238E27FC236}">
+                <a16:creationId xmlns:a16="http://schemas.microsoft.com/office/drawing/2014/main" id="{7D3EBA5F-A465-60AA-870B-6D37BEA5E6E2}"/>
+              </a:ext>
+            </a:extLst>
+          </p:cNvPr>
+          <p:cNvSpPr txBox="1"/>
+          <p:nvPr/>
+        </p:nvSpPr>
+        <p:spPr>
+          <a:xfrm>
+            <a:off x="2379405" y="4270783"/>
+            <a:ext cx="954107" cy="400110"/>
+          </a:xfrm>
+          <a:prstGeom prst="rect">
+            <a:avLst/>
+          </a:prstGeom>
+        </p:spPr>
+        <p:style>
+          <a:lnRef idx="2">
+            <a:schemeClr val="dk1"/>
+          </a:lnRef>
+          <a:fillRef idx="1">
+            <a:schemeClr val="lt1"/>
+          </a:fillRef>
+          <a:effectRef idx="0">
+            <a:schemeClr val="dk1"/>
+          </a:effectRef>
+          <a:fontRef idx="minor">
+            <a:schemeClr val="dk1"/>
+          </a:fontRef>
+        </p:style>
+        <p:txBody>
+          <a:bodyPr wrap="none" rtlCol="0">
+            <a:spAutoFit/>
+          </a:bodyPr>
+          <a:lstStyle/>
+          <a:p>
+            <a:r>
+              <a:rPr kumimoji="1" lang="ja-JP" altLang="en-US" sz="2000" dirty="0"/>
+              <a:t>点数名</a:t>
+            </a:r>
+          </a:p>
+        </p:txBody>
+      </p:sp>
+      <p:sp>
+        <p:nvSpPr>
+          <p:cNvPr id="22" name="テキスト ボックス 21">
+            <a:extLst>
+              <a:ext uri="{FF2B5EF4-FFF2-40B4-BE49-F238E27FC236}">
+                <a16:creationId xmlns:a16="http://schemas.microsoft.com/office/drawing/2014/main" id="{7A864E70-9915-2090-19C6-695DF7FBC00E}"/>
+              </a:ext>
+            </a:extLst>
+          </p:cNvPr>
+          <p:cNvSpPr txBox="1"/>
+          <p:nvPr/>
+        </p:nvSpPr>
+        <p:spPr>
+          <a:xfrm>
+            <a:off x="3883807" y="4270783"/>
+            <a:ext cx="954107" cy="400110"/>
+          </a:xfrm>
+          <a:prstGeom prst="rect">
+            <a:avLst/>
+          </a:prstGeom>
+        </p:spPr>
+        <p:style>
+          <a:lnRef idx="2">
+            <a:schemeClr val="dk1"/>
+          </a:lnRef>
+          <a:fillRef idx="1">
+            <a:schemeClr val="lt1"/>
+          </a:fillRef>
+          <a:effectRef idx="0">
+            <a:schemeClr val="dk1"/>
+          </a:effectRef>
+          <a:fontRef idx="minor">
+            <a:schemeClr val="dk1"/>
+          </a:fontRef>
+        </p:style>
+        <p:txBody>
+          <a:bodyPr wrap="none" rtlCol="0">
+            <a:spAutoFit/>
+          </a:bodyPr>
+          <a:lstStyle/>
+          <a:p>
+            <a:r>
+              <a:rPr lang="ja-JP" altLang="en-US" sz="2000" dirty="0"/>
+              <a:t>飜と符</a:t>
+            </a:r>
+            <a:endParaRPr kumimoji="1" lang="ja-JP" altLang="en-US" sz="2000" dirty="0"/>
           </a:p>
         </p:txBody>
       </p:sp>
@@ -14056,8 +14779,8 @@
         </p:nvSpPr>
         <p:spPr>
           <a:xfrm>
-            <a:off x="1564640" y="1938100"/>
-            <a:ext cx="1087120" cy="369332"/>
+            <a:off x="1752469" y="2066484"/>
+            <a:ext cx="1087120" cy="461665"/>
           </a:xfrm>
           <a:prstGeom prst="rect">
             <a:avLst/>
@@ -14077,7 +14800,7 @@
           <a:p>
             <a:pPr algn="ctr"/>
             <a:r>
-              <a:rPr kumimoji="1" lang="ja-JP" altLang="en-US" dirty="0"/>
+              <a:rPr kumimoji="1" lang="ja-JP" altLang="en-US" sz="2400" dirty="0"/>
               <a:t>流局</a:t>
             </a:r>
           </a:p>
@@ -14097,8 +14820,8 @@
         </p:nvSpPr>
         <p:spPr>
           <a:xfrm>
-            <a:off x="2802771" y="1947030"/>
-            <a:ext cx="1087120" cy="369332"/>
+            <a:off x="3246024" y="2063983"/>
+            <a:ext cx="1494754" cy="461665"/>
           </a:xfrm>
           <a:prstGeom prst="rect">
             <a:avLst/>
@@ -14118,10 +14841,10 @@
           <a:p>
             <a:pPr algn="ctr"/>
             <a:r>
-              <a:rPr lang="ja-JP" altLang="en-US" dirty="0"/>
+              <a:rPr lang="ja-JP" altLang="en-US" sz="2400" dirty="0"/>
               <a:t>上がり</a:t>
             </a:r>
-            <a:endParaRPr kumimoji="1" lang="ja-JP" altLang="en-US" dirty="0"/>
+            <a:endParaRPr kumimoji="1" lang="ja-JP" altLang="en-US" sz="2400" dirty="0"/>
           </a:p>
         </p:txBody>
       </p:sp>

--- a/doc/02_外部設計/外部設計_麻雀アプリ.pptx
+++ b/doc/02_外部設計/外部設計_麻雀アプリ.pptx
@@ -5,7 +5,7 @@
     <p:sldMasterId id="2147483648" r:id="rId4"/>
   </p:sldMasterIdLst>
   <p:notesMasterIdLst>
-    <p:notesMasterId r:id="rId36"/>
+    <p:notesMasterId r:id="rId37"/>
   </p:notesMasterIdLst>
   <p:sldIdLst>
     <p:sldId id="310" r:id="rId5"/>
@@ -39,6 +39,7 @@
     <p:sldId id="284" r:id="rId33"/>
     <p:sldId id="287" r:id="rId34"/>
     <p:sldId id="295" r:id="rId35"/>
+    <p:sldId id="327" r:id="rId36"/>
   </p:sldIdLst>
   <p:sldSz cx="12192000" cy="6858000"/>
   <p:notesSz cx="6858000" cy="9144000"/>
@@ -151,13 +152,13 @@
     <p1510:client id="{6235E0C0-497E-BDAF-D673-72911FC49039}" v="3" dt="2024-06-12T06:37:44.108"/>
     <p1510:client id="{6A6F7F79-3BF5-5A26-3D13-83566377B1FE}" v="15" dt="2024-06-13T08:39:24.020"/>
     <p1510:client id="{72FCFEF2-0F4F-F10F-C5AA-9E45CEC22C70}" v="566" dt="2024-06-12T07:29:05.627"/>
-    <p1510:client id="{76EC1DE0-5878-4A98-3474-92D51159BE08}" v="1" dt="2024-06-14T02:14:22.322"/>
+    <p1510:client id="{76EC1DE0-5878-4A98-3474-92D51159BE08}" v="86" dt="2024-06-14T06:01:38.510"/>
     <p1510:client id="{7F157A3E-7EF9-02CB-5B2A-ECED43DFC7A3}" v="386" dt="2024-06-13T07:44:24.585"/>
     <p1510:client id="{9A96F4E2-19AF-4CEB-AA00-5FE4DD0C4FCB}" v="2" dt="2024-06-13T00:35:23.293"/>
     <p1510:client id="{A4F524E6-CC88-07D7-600A-88C202B5E52A}" v="17" dt="2024-06-14T01:25:45.674"/>
     <p1510:client id="{AAC7828F-8F15-C947-4143-A9F24CBD638A}" v="16" dt="2024-06-12T08:48:30.175"/>
     <p1510:client id="{AB72BF3E-1D1B-D5FF-9B62-FB5C0B21052D}" v="372" dt="2024-06-13T08:31:57.397"/>
-    <p1510:client id="{C774AB4A-7AE6-8333-8A6F-3EF635409361}" v="51" dt="2024-06-14T01:14:59.124"/>
+    <p1510:client id="{C774AB4A-7AE6-8333-8A6F-3EF635409361}" v="152" dt="2024-06-14T05:27:59.114"/>
     <p1510:client id="{CE8A59B7-A76A-814B-EF9E-5D5B107E655F}" v="224" dt="2024-06-13T00:56:30.305"/>
     <p1510:client id="{E2FEDB5D-0316-9175-7F8A-22ADA5295435}" v="2" dt="2024-06-13T06:19:14.331"/>
     <p1510:client id="{F71C476F-FEFF-CD86-408D-5AA0FB6FFBA7}" v="50" dt="2024-06-12T08:39:13.689"/>
@@ -285,10 +286,129 @@
   <pc:docChgLst>
     <pc:chgData name="ゲスト ユーザー" userId="S::urn:spo:anon#1a1bfb785fcdce61c245b274591b60fab4cbf92da81a1c294836c8822c2dabce::" providerId="AD" clId="Web-{C774AB4A-7AE6-8333-8A6F-3EF635409361}"/>
     <pc:docChg chg="addSld modSld">
-      <pc:chgData name="ゲスト ユーザー" userId="S::urn:spo:anon#1a1bfb785fcdce61c245b274591b60fab4cbf92da81a1c294836c8822c2dabce::" providerId="AD" clId="Web-{C774AB4A-7AE6-8333-8A6F-3EF635409361}" dt="2024-06-14T01:14:55.046" v="43" actId="20577"/>
+      <pc:chgData name="ゲスト ユーザー" userId="S::urn:spo:anon#1a1bfb785fcdce61c245b274591b60fab4cbf92da81a1c294836c8822c2dabce::" providerId="AD" clId="Web-{C774AB4A-7AE6-8333-8A6F-3EF635409361}" dt="2024-06-14T05:27:59.114" v="143" actId="14100"/>
       <pc:docMkLst>
         <pc:docMk/>
       </pc:docMkLst>
+      <pc:sldChg chg="addSp modSp">
+        <pc:chgData name="ゲスト ユーザー" userId="S::urn:spo:anon#1a1bfb785fcdce61c245b274591b60fab4cbf92da81a1c294836c8822c2dabce::" providerId="AD" clId="Web-{C774AB4A-7AE6-8333-8A6F-3EF635409361}" dt="2024-06-14T05:16:33.847" v="88" actId="1076"/>
+        <pc:sldMkLst>
+          <pc:docMk/>
+          <pc:sldMk cId="40067739" sldId="296"/>
+        </pc:sldMkLst>
+        <pc:spChg chg="mod">
+          <ac:chgData name="ゲスト ユーザー" userId="S::urn:spo:anon#1a1bfb785fcdce61c245b274591b60fab4cbf92da81a1c294836c8822c2dabce::" providerId="AD" clId="Web-{C774AB4A-7AE6-8333-8A6F-3EF635409361}" dt="2024-06-14T05:15:19.079" v="61" actId="1076"/>
+          <ac:spMkLst>
+            <pc:docMk/>
+            <pc:sldMk cId="40067739" sldId="296"/>
+            <ac:spMk id="3" creationId="{DE8802AC-3C66-B338-7C03-3B804E31A0B9}"/>
+          </ac:spMkLst>
+        </pc:spChg>
+        <pc:spChg chg="mod">
+          <ac:chgData name="ゲスト ユーザー" userId="S::urn:spo:anon#1a1bfb785fcdce61c245b274591b60fab4cbf92da81a1c294836c8822c2dabce::" providerId="AD" clId="Web-{C774AB4A-7AE6-8333-8A6F-3EF635409361}" dt="2024-06-14T05:15:01.407" v="52" actId="1076"/>
+          <ac:spMkLst>
+            <pc:docMk/>
+            <pc:sldMk cId="40067739" sldId="296"/>
+            <ac:spMk id="14" creationId="{21014B5D-1D94-0936-6A70-ED1FCB26C19D}"/>
+          </ac:spMkLst>
+        </pc:spChg>
+        <pc:spChg chg="mod">
+          <ac:chgData name="ゲスト ユーザー" userId="S::urn:spo:anon#1a1bfb785fcdce61c245b274591b60fab4cbf92da81a1c294836c8822c2dabce::" providerId="AD" clId="Web-{C774AB4A-7AE6-8333-8A6F-3EF635409361}" dt="2024-06-14T05:14:58.688" v="51" actId="1076"/>
+          <ac:spMkLst>
+            <pc:docMk/>
+            <pc:sldMk cId="40067739" sldId="296"/>
+            <ac:spMk id="23" creationId="{597447C5-C2FA-34B7-F4A9-63F5588F6D67}"/>
+          </ac:spMkLst>
+        </pc:spChg>
+        <pc:spChg chg="mod">
+          <ac:chgData name="ゲスト ユーザー" userId="S::urn:spo:anon#1a1bfb785fcdce61c245b274591b60fab4cbf92da81a1c294836c8822c2dabce::" providerId="AD" clId="Web-{C774AB4A-7AE6-8333-8A6F-3EF635409361}" dt="2024-06-14T05:16:33.847" v="88" actId="1076"/>
+          <ac:spMkLst>
+            <pc:docMk/>
+            <pc:sldMk cId="40067739" sldId="296"/>
+            <ac:spMk id="24" creationId="{C83210F8-7C0B-DBA7-D826-EAB42D2CF9C2}"/>
+          </ac:spMkLst>
+        </pc:spChg>
+        <pc:spChg chg="mod">
+          <ac:chgData name="ゲスト ユーザー" userId="S::urn:spo:anon#1a1bfb785fcdce61c245b274591b60fab4cbf92da81a1c294836c8822c2dabce::" providerId="AD" clId="Web-{C774AB4A-7AE6-8333-8A6F-3EF635409361}" dt="2024-06-14T05:16:08.190" v="78" actId="20577"/>
+          <ac:spMkLst>
+            <pc:docMk/>
+            <pc:sldMk cId="40067739" sldId="296"/>
+            <ac:spMk id="31" creationId="{140A83E9-48DA-490D-D82E-73A06506C343}"/>
+          </ac:spMkLst>
+        </pc:spChg>
+        <pc:spChg chg="mod">
+          <ac:chgData name="ゲスト ユーザー" userId="S::urn:spo:anon#1a1bfb785fcdce61c245b274591b60fab4cbf92da81a1c294836c8822c2dabce::" providerId="AD" clId="Web-{C774AB4A-7AE6-8333-8A6F-3EF635409361}" dt="2024-06-14T05:14:55.954" v="50" actId="1076"/>
+          <ac:spMkLst>
+            <pc:docMk/>
+            <pc:sldMk cId="40067739" sldId="296"/>
+            <ac:spMk id="33" creationId="{B0A5097C-A1D9-D0C5-EC3E-9EF2AA1C970B}"/>
+          </ac:spMkLst>
+        </pc:spChg>
+        <pc:spChg chg="mod">
+          <ac:chgData name="ゲスト ユーザー" userId="S::urn:spo:anon#1a1bfb785fcdce61c245b274591b60fab4cbf92da81a1c294836c8822c2dabce::" providerId="AD" clId="Web-{C774AB4A-7AE6-8333-8A6F-3EF635409361}" dt="2024-06-14T05:15:36.767" v="63" actId="1076"/>
+          <ac:spMkLst>
+            <pc:docMk/>
+            <pc:sldMk cId="40067739" sldId="296"/>
+            <ac:spMk id="44" creationId="{68C9B0C1-0702-58E5-AF5D-2C875DDED928}"/>
+          </ac:spMkLst>
+        </pc:spChg>
+        <pc:spChg chg="mod">
+          <ac:chgData name="ゲスト ユーザー" userId="S::urn:spo:anon#1a1bfb785fcdce61c245b274591b60fab4cbf92da81a1c294836c8822c2dabce::" providerId="AD" clId="Web-{C774AB4A-7AE6-8333-8A6F-3EF635409361}" dt="2024-06-14T05:16:17.002" v="79" actId="20577"/>
+          <ac:spMkLst>
+            <pc:docMk/>
+            <pc:sldMk cId="40067739" sldId="296"/>
+            <ac:spMk id="48" creationId="{56D44214-6ABC-F1DB-955A-F2CD3ED156F4}"/>
+          </ac:spMkLst>
+        </pc:spChg>
+        <pc:spChg chg="mod">
+          <ac:chgData name="ゲスト ユーザー" userId="S::urn:spo:anon#1a1bfb785fcdce61c245b274591b60fab4cbf92da81a1c294836c8822c2dabce::" providerId="AD" clId="Web-{C774AB4A-7AE6-8333-8A6F-3EF635409361}" dt="2024-06-14T05:16:21.878" v="86" actId="20577"/>
+          <ac:spMkLst>
+            <pc:docMk/>
+            <pc:sldMk cId="40067739" sldId="296"/>
+            <ac:spMk id="52" creationId="{A8EEC8A6-D739-1D56-9D67-07899CC0FBA8}"/>
+          </ac:spMkLst>
+        </pc:spChg>
+        <pc:grpChg chg="add mod">
+          <ac:chgData name="ゲスト ユーザー" userId="S::urn:spo:anon#1a1bfb785fcdce61c245b274591b60fab4cbf92da81a1c294836c8822c2dabce::" providerId="AD" clId="Web-{C774AB4A-7AE6-8333-8A6F-3EF635409361}" dt="2024-06-14T05:16:31.065" v="87" actId="1076"/>
+          <ac:grpSpMkLst>
+            <pc:docMk/>
+            <pc:sldMk cId="40067739" sldId="296"/>
+            <ac:grpSpMk id="5" creationId="{965792C6-50C2-6705-BB61-90B8C86D9115}"/>
+          </ac:grpSpMkLst>
+        </pc:grpChg>
+        <pc:grpChg chg="mod">
+          <ac:chgData name="ゲスト ユーザー" userId="S::urn:spo:anon#1a1bfb785fcdce61c245b274591b60fab4cbf92da81a1c294836c8822c2dabce::" providerId="AD" clId="Web-{C774AB4A-7AE6-8333-8A6F-3EF635409361}" dt="2024-06-14T05:15:36.751" v="62" actId="1076"/>
+          <ac:grpSpMkLst>
+            <pc:docMk/>
+            <pc:sldMk cId="40067739" sldId="296"/>
+            <ac:grpSpMk id="45" creationId="{F9C06B35-C590-E134-4337-1DF751698E80}"/>
+          </ac:grpSpMkLst>
+        </pc:grpChg>
+        <pc:grpChg chg="mod">
+          <ac:chgData name="ゲスト ユーザー" userId="S::urn:spo:anon#1a1bfb785fcdce61c245b274591b60fab4cbf92da81a1c294836c8822c2dabce::" providerId="AD" clId="Web-{C774AB4A-7AE6-8333-8A6F-3EF635409361}" dt="2024-06-14T05:14:36.828" v="45" actId="1076"/>
+          <ac:grpSpMkLst>
+            <pc:docMk/>
+            <pc:sldMk cId="40067739" sldId="296"/>
+            <ac:grpSpMk id="47" creationId="{FF448DAE-0F2E-4CEA-097C-4BBC60A75E8D}"/>
+          </ac:grpSpMkLst>
+        </pc:grpChg>
+        <pc:grpChg chg="mod">
+          <ac:chgData name="ゲスト ユーザー" userId="S::urn:spo:anon#1a1bfb785fcdce61c245b274591b60fab4cbf92da81a1c294836c8822c2dabce::" providerId="AD" clId="Web-{C774AB4A-7AE6-8333-8A6F-3EF635409361}" dt="2024-06-14T05:15:40.705" v="64" actId="1076"/>
+          <ac:grpSpMkLst>
+            <pc:docMk/>
+            <pc:sldMk cId="40067739" sldId="296"/>
+            <ac:grpSpMk id="51" creationId="{7EBE1F95-DAD9-5EC8-51EA-440C8C48FCD1}"/>
+          </ac:grpSpMkLst>
+        </pc:grpChg>
+        <pc:picChg chg="mod">
+          <ac:chgData name="ゲスト ユーザー" userId="S::urn:spo:anon#1a1bfb785fcdce61c245b274591b60fab4cbf92da81a1c294836c8822c2dabce::" providerId="AD" clId="Web-{C774AB4A-7AE6-8333-8A6F-3EF635409361}" dt="2024-06-14T05:14:41.203" v="47" actId="1076"/>
+          <ac:picMkLst>
+            <pc:docMk/>
+            <pc:sldMk cId="40067739" sldId="296"/>
+            <ac:picMk id="35" creationId="{660FD0FB-A4A9-BB02-06ED-2952C5A4F194}"/>
+          </ac:picMkLst>
+        </pc:picChg>
+      </pc:sldChg>
       <pc:sldChg chg="delSp modSp">
         <pc:chgData name="ゲスト ユーザー" userId="S::urn:spo:anon#1a1bfb785fcdce61c245b274591b60fab4cbf92da81a1c294836c8822c2dabce::" providerId="AD" clId="Web-{C774AB4A-7AE6-8333-8A6F-3EF635409361}" dt="2024-06-14T00:58:17.347" v="31" actId="20577"/>
         <pc:sldMkLst>
@@ -487,6 +607,116 @@
             <ac:picMk id="1056" creationId="{717D86D4-F196-EB67-732E-440544F422F0}"/>
           </ac:picMkLst>
         </pc:picChg>
+      </pc:sldChg>
+      <pc:sldChg chg="modSp">
+        <pc:chgData name="ゲスト ユーザー" userId="S::urn:spo:anon#1a1bfb785fcdce61c245b274591b60fab4cbf92da81a1c294836c8822c2dabce::" providerId="AD" clId="Web-{C774AB4A-7AE6-8333-8A6F-3EF635409361}" dt="2024-06-14T05:26:07.876" v="129"/>
+        <pc:sldMkLst>
+          <pc:docMk/>
+          <pc:sldMk cId="2253414966" sldId="322"/>
+        </pc:sldMkLst>
+        <pc:spChg chg="mod">
+          <ac:chgData name="ゲスト ユーザー" userId="S::urn:spo:anon#1a1bfb785fcdce61c245b274591b60fab4cbf92da81a1c294836c8822c2dabce::" providerId="AD" clId="Web-{C774AB4A-7AE6-8333-8A6F-3EF635409361}" dt="2024-06-14T05:26:07.876" v="129"/>
+          <ac:spMkLst>
+            <pc:docMk/>
+            <pc:sldMk cId="2253414966" sldId="322"/>
+            <ac:spMk id="7" creationId="{7CC56100-390A-EED6-5F4C-B9CE08C31CB0}"/>
+          </ac:spMkLst>
+        </pc:spChg>
+        <pc:spChg chg="mod">
+          <ac:chgData name="ゲスト ユーザー" userId="S::urn:spo:anon#1a1bfb785fcdce61c245b274591b60fab4cbf92da81a1c294836c8822c2dabce::" providerId="AD" clId="Web-{C774AB4A-7AE6-8333-8A6F-3EF635409361}" dt="2024-06-14T05:22:49.559" v="126" actId="1076"/>
+          <ac:spMkLst>
+            <pc:docMk/>
+            <pc:sldMk cId="2253414966" sldId="322"/>
+            <ac:spMk id="8" creationId="{19742F70-6DBC-9495-B30E-310EA1D1B4C0}"/>
+          </ac:spMkLst>
+        </pc:spChg>
+        <pc:spChg chg="mod">
+          <ac:chgData name="ゲスト ユーザー" userId="S::urn:spo:anon#1a1bfb785fcdce61c245b274591b60fab4cbf92da81a1c294836c8822c2dabce::" providerId="AD" clId="Web-{C774AB4A-7AE6-8333-8A6F-3EF635409361}" dt="2024-06-14T05:23:56.498" v="128" actId="14100"/>
+          <ac:spMkLst>
+            <pc:docMk/>
+            <pc:sldMk cId="2253414966" sldId="322"/>
+            <ac:spMk id="9" creationId="{11A0EFA1-5976-19FF-1C15-21A1979A8D0B}"/>
+          </ac:spMkLst>
+        </pc:spChg>
+        <pc:spChg chg="mod">
+          <ac:chgData name="ゲスト ユーザー" userId="S::urn:spo:anon#1a1bfb785fcdce61c245b274591b60fab4cbf92da81a1c294836c8822c2dabce::" providerId="AD" clId="Web-{C774AB4A-7AE6-8333-8A6F-3EF635409361}" dt="2024-06-14T05:22:44.871" v="123" actId="1076"/>
+          <ac:spMkLst>
+            <pc:docMk/>
+            <pc:sldMk cId="2253414966" sldId="322"/>
+            <ac:spMk id="11" creationId="{6B248921-D907-B83A-B882-205BC2028D3B}"/>
+          </ac:spMkLst>
+        </pc:spChg>
+        <pc:spChg chg="mod">
+          <ac:chgData name="ゲスト ユーザー" userId="S::urn:spo:anon#1a1bfb785fcdce61c245b274591b60fab4cbf92da81a1c294836c8822c2dabce::" providerId="AD" clId="Web-{C774AB4A-7AE6-8333-8A6F-3EF635409361}" dt="2024-06-14T05:22:29.715" v="112" actId="1076"/>
+          <ac:spMkLst>
+            <pc:docMk/>
+            <pc:sldMk cId="2253414966" sldId="322"/>
+            <ac:spMk id="13" creationId="{1A0DB1F3-1706-3637-41E1-07477D6AD47D}"/>
+          </ac:spMkLst>
+        </pc:spChg>
+        <pc:spChg chg="mod">
+          <ac:chgData name="ゲスト ユーザー" userId="S::urn:spo:anon#1a1bfb785fcdce61c245b274591b60fab4cbf92da81a1c294836c8822c2dabce::" providerId="AD" clId="Web-{C774AB4A-7AE6-8333-8A6F-3EF635409361}" dt="2024-06-14T05:22:44.887" v="124" actId="1076"/>
+          <ac:spMkLst>
+            <pc:docMk/>
+            <pc:sldMk cId="2253414966" sldId="322"/>
+            <ac:spMk id="15" creationId="{39434E43-2C88-C233-52D4-698BAE1D77CF}"/>
+          </ac:spMkLst>
+        </pc:spChg>
+        <pc:spChg chg="mod">
+          <ac:chgData name="ゲスト ユーザー" userId="S::urn:spo:anon#1a1bfb785fcdce61c245b274591b60fab4cbf92da81a1c294836c8822c2dabce::" providerId="AD" clId="Web-{C774AB4A-7AE6-8333-8A6F-3EF635409361}" dt="2024-06-14T05:22:29.715" v="111" actId="1076"/>
+          <ac:spMkLst>
+            <pc:docMk/>
+            <pc:sldMk cId="2253414966" sldId="322"/>
+            <ac:spMk id="17" creationId="{9546388C-5585-341D-C020-1D3F66B5A30F}"/>
+          </ac:spMkLst>
+        </pc:spChg>
+      </pc:sldChg>
+      <pc:sldChg chg="modSp">
+        <pc:chgData name="ゲスト ユーザー" userId="S::urn:spo:anon#1a1bfb785fcdce61c245b274591b60fab4cbf92da81a1c294836c8822c2dabce::" providerId="AD" clId="Web-{C774AB4A-7AE6-8333-8A6F-3EF635409361}" dt="2024-06-14T05:27:59.114" v="143" actId="14100"/>
+        <pc:sldMkLst>
+          <pc:docMk/>
+          <pc:sldMk cId="3106679208" sldId="325"/>
+        </pc:sldMkLst>
+        <pc:spChg chg="mod">
+          <ac:chgData name="ゲスト ユーザー" userId="S::urn:spo:anon#1a1bfb785fcdce61c245b274591b60fab4cbf92da81a1c294836c8822c2dabce::" providerId="AD" clId="Web-{C774AB4A-7AE6-8333-8A6F-3EF635409361}" dt="2024-06-14T05:27:59.114" v="143" actId="14100"/>
+          <ac:spMkLst>
+            <pc:docMk/>
+            <pc:sldMk cId="3106679208" sldId="325"/>
+            <ac:spMk id="2" creationId="{4274F9C3-AC37-164E-9AB7-27DD4A622248}"/>
+          </ac:spMkLst>
+        </pc:spChg>
+        <pc:spChg chg="mod">
+          <ac:chgData name="ゲスト ユーザー" userId="S::urn:spo:anon#1a1bfb785fcdce61c245b274591b60fab4cbf92da81a1c294836c8822c2dabce::" providerId="AD" clId="Web-{C774AB4A-7AE6-8333-8A6F-3EF635409361}" dt="2024-06-14T05:26:45.190" v="142"/>
+          <ac:spMkLst>
+            <pc:docMk/>
+            <pc:sldMk cId="3106679208" sldId="325"/>
+            <ac:spMk id="13" creationId="{0C868BED-9FBE-7A08-3583-0A463BB370A6}"/>
+          </ac:spMkLst>
+        </pc:spChg>
+        <pc:spChg chg="mod">
+          <ac:chgData name="ゲスト ユーザー" userId="S::urn:spo:anon#1a1bfb785fcdce61c245b274591b60fab4cbf92da81a1c294836c8822c2dabce::" providerId="AD" clId="Web-{C774AB4A-7AE6-8333-8A6F-3EF635409361}" dt="2024-06-14T05:26:40.221" v="140" actId="1076"/>
+          <ac:spMkLst>
+            <pc:docMk/>
+            <pc:sldMk cId="3106679208" sldId="325"/>
+            <ac:spMk id="14" creationId="{4E173F80-E275-EC56-3054-E42B56E215EB}"/>
+          </ac:spMkLst>
+        </pc:spChg>
+        <pc:spChg chg="mod">
+          <ac:chgData name="ゲスト ユーザー" userId="S::urn:spo:anon#1a1bfb785fcdce61c245b274591b60fab4cbf92da81a1c294836c8822c2dabce::" providerId="AD" clId="Web-{C774AB4A-7AE6-8333-8A6F-3EF635409361}" dt="2024-06-14T05:26:31.580" v="136" actId="1076"/>
+          <ac:spMkLst>
+            <pc:docMk/>
+            <pc:sldMk cId="3106679208" sldId="325"/>
+            <ac:spMk id="15" creationId="{96B1A8BF-DE9E-E275-A960-45B56453FC51}"/>
+          </ac:spMkLst>
+        </pc:spChg>
+        <pc:spChg chg="mod">
+          <ac:chgData name="ゲスト ユーザー" userId="S::urn:spo:anon#1a1bfb785fcdce61c245b274591b60fab4cbf92da81a1c294836c8822c2dabce::" providerId="AD" clId="Web-{C774AB4A-7AE6-8333-8A6F-3EF635409361}" dt="2024-06-14T05:26:40.237" v="141" actId="1076"/>
+          <ac:spMkLst>
+            <pc:docMk/>
+            <pc:sldMk cId="3106679208" sldId="325"/>
+            <ac:spMk id="16" creationId="{B6C6DA94-72CA-0128-EBF7-2E57232BAB4A}"/>
+          </ac:spMkLst>
+        </pc:spChg>
       </pc:sldChg>
       <pc:sldChg chg="modSp add replId">
         <pc:chgData name="ゲスト ユーザー" userId="S::urn:spo:anon#1a1bfb785fcdce61c245b274591b60fab4cbf92da81a1c294836c8822c2dabce::" providerId="AD" clId="Web-{C774AB4A-7AE6-8333-8A6F-3EF635409361}" dt="2024-06-14T01:14:55.046" v="43" actId="20577"/>
@@ -2238,8 +2468,8 @@
   </pc:docChgLst>
   <pc:docChgLst>
     <pc:chgData name="ゲスト ユーザー" userId="S::urn:spo:anon#1a1bfb785fcdce61c245b274591b60fab4cbf92da81a1c294836c8822c2dabce::" providerId="AD" clId="Web-{76EC1DE0-5878-4A98-3474-92D51159BE08}"/>
-    <pc:docChg chg="modSld">
-      <pc:chgData name="ゲスト ユーザー" userId="S::urn:spo:anon#1a1bfb785fcdce61c245b274591b60fab4cbf92da81a1c294836c8822c2dabce::" providerId="AD" clId="Web-{76EC1DE0-5878-4A98-3474-92D51159BE08}" dt="2024-06-14T02:14:22.322" v="0" actId="14100"/>
+    <pc:docChg chg="addSld modSld">
+      <pc:chgData name="ゲスト ユーザー" userId="S::urn:spo:anon#1a1bfb785fcdce61c245b274591b60fab4cbf92da81a1c294836c8822c2dabce::" providerId="AD" clId="Web-{76EC1DE0-5878-4A98-3474-92D51159BE08}" dt="2024-06-14T06:01:38.510" v="83" actId="1076"/>
       <pc:docMkLst>
         <pc:docMk/>
       </pc:docMkLst>
@@ -2257,6 +2487,101 @@
             <ac:spMk id="2" creationId="{7E0F03B6-B79A-EF10-9F76-490031FDD785}"/>
           </ac:spMkLst>
         </pc:spChg>
+      </pc:sldChg>
+      <pc:sldChg chg="addSp delSp modSp new">
+        <pc:chgData name="ゲスト ユーザー" userId="S::urn:spo:anon#1a1bfb785fcdce61c245b274591b60fab4cbf92da81a1c294836c8822c2dabce::" providerId="AD" clId="Web-{76EC1DE0-5878-4A98-3474-92D51159BE08}" dt="2024-06-14T06:01:38.510" v="83" actId="1076"/>
+        <pc:sldMkLst>
+          <pc:docMk/>
+          <pc:sldMk cId="116122542" sldId="327"/>
+        </pc:sldMkLst>
+        <pc:spChg chg="add del">
+          <ac:chgData name="ゲスト ユーザー" userId="S::urn:spo:anon#1a1bfb785fcdce61c245b274591b60fab4cbf92da81a1c294836c8822c2dabce::" providerId="AD" clId="Web-{76EC1DE0-5878-4A98-3474-92D51159BE08}" dt="2024-06-14T05:36:11.362" v="12"/>
+          <ac:spMkLst>
+            <pc:docMk/>
+            <pc:sldMk cId="116122542" sldId="327"/>
+            <ac:spMk id="4" creationId="{61A374FA-7995-4DDC-B9D6-55699556F280}"/>
+          </ac:spMkLst>
+        </pc:spChg>
+        <pc:spChg chg="add mod">
+          <ac:chgData name="ゲスト ユーザー" userId="S::urn:spo:anon#1a1bfb785fcdce61c245b274591b60fab4cbf92da81a1c294836c8822c2dabce::" providerId="AD" clId="Web-{76EC1DE0-5878-4A98-3474-92D51159BE08}" dt="2024-06-14T05:43:56.550" v="33"/>
+          <ac:spMkLst>
+            <pc:docMk/>
+            <pc:sldMk cId="116122542" sldId="327"/>
+            <ac:spMk id="5" creationId="{0161EBD7-1D51-9536-5B64-C74495BD9C4C}"/>
+          </ac:spMkLst>
+        </pc:spChg>
+        <pc:spChg chg="add mod">
+          <ac:chgData name="ゲスト ユーザー" userId="S::urn:spo:anon#1a1bfb785fcdce61c245b274591b60fab4cbf92da81a1c294836c8822c2dabce::" providerId="AD" clId="Web-{76EC1DE0-5878-4A98-3474-92D51159BE08}" dt="2024-06-14T05:47:41.246" v="68" actId="20577"/>
+          <ac:spMkLst>
+            <pc:docMk/>
+            <pc:sldMk cId="116122542" sldId="327"/>
+            <ac:spMk id="6" creationId="{F37E5C0A-C462-EEAE-6BAE-714B547B9A58}"/>
+          </ac:spMkLst>
+        </pc:spChg>
+        <pc:spChg chg="add mod">
+          <ac:chgData name="ゲスト ユーザー" userId="S::urn:spo:anon#1a1bfb785fcdce61c245b274591b60fab4cbf92da81a1c294836c8822c2dabce::" providerId="AD" clId="Web-{76EC1DE0-5878-4A98-3474-92D51159BE08}" dt="2024-06-14T05:46:39.165" v="43" actId="1076"/>
+          <ac:spMkLst>
+            <pc:docMk/>
+            <pc:sldMk cId="116122542" sldId="327"/>
+            <ac:spMk id="7" creationId="{9BEB9421-D9A7-19D0-5126-9ABAB60115E7}"/>
+          </ac:spMkLst>
+        </pc:spChg>
+        <pc:spChg chg="add mod">
+          <ac:chgData name="ゲスト ユーザー" userId="S::urn:spo:anon#1a1bfb785fcdce61c245b274591b60fab4cbf92da81a1c294836c8822c2dabce::" providerId="AD" clId="Web-{76EC1DE0-5878-4A98-3474-92D51159BE08}" dt="2024-06-14T05:47:46.527" v="69" actId="20577"/>
+          <ac:spMkLst>
+            <pc:docMk/>
+            <pc:sldMk cId="116122542" sldId="327"/>
+            <ac:spMk id="8" creationId="{76682C85-AD03-5A68-A39C-C4D22E164A3D}"/>
+          </ac:spMkLst>
+        </pc:spChg>
+        <pc:spChg chg="add mod">
+          <ac:chgData name="ゲスト ユーザー" userId="S::urn:spo:anon#1a1bfb785fcdce61c245b274591b60fab4cbf92da81a1c294836c8822c2dabce::" providerId="AD" clId="Web-{76EC1DE0-5878-4A98-3474-92D51159BE08}" dt="2024-06-14T05:49:14.749" v="76"/>
+          <ac:spMkLst>
+            <pc:docMk/>
+            <pc:sldMk cId="116122542" sldId="327"/>
+            <ac:spMk id="9" creationId="{DEB0995E-9433-1B45-1DE9-1CBDF9798066}"/>
+          </ac:spMkLst>
+        </pc:spChg>
+        <pc:spChg chg="add mod">
+          <ac:chgData name="ゲスト ユーザー" userId="S::urn:spo:anon#1a1bfb785fcdce61c245b274591b60fab4cbf92da81a1c294836c8822c2dabce::" providerId="AD" clId="Web-{76EC1DE0-5878-4A98-3474-92D51159BE08}" dt="2024-06-14T05:49:07.546" v="75"/>
+          <ac:spMkLst>
+            <pc:docMk/>
+            <pc:sldMk cId="116122542" sldId="327"/>
+            <ac:spMk id="10" creationId="{12180692-637F-57FD-6C4E-7AB0A25C3DC1}"/>
+          </ac:spMkLst>
+        </pc:spChg>
+        <pc:spChg chg="add del mod">
+          <ac:chgData name="ゲスト ユーザー" userId="S::urn:spo:anon#1a1bfb785fcdce61c245b274591b60fab4cbf92da81a1c294836c8822c2dabce::" providerId="AD" clId="Web-{76EC1DE0-5878-4A98-3474-92D51159BE08}" dt="2024-06-14T06:01:11.305" v="79"/>
+          <ac:spMkLst>
+            <pc:docMk/>
+            <pc:sldMk cId="116122542" sldId="327"/>
+            <ac:spMk id="11" creationId="{0248D5CE-150F-BDF9-D3DE-A94666EFE373}"/>
+          </ac:spMkLst>
+        </pc:spChg>
+        <pc:spChg chg="add mod">
+          <ac:chgData name="ゲスト ユーザー" userId="S::urn:spo:anon#1a1bfb785fcdce61c245b274591b60fab4cbf92da81a1c294836c8822c2dabce::" providerId="AD" clId="Web-{76EC1DE0-5878-4A98-3474-92D51159BE08}" dt="2024-06-14T06:01:25.993" v="81" actId="1076"/>
+          <ac:spMkLst>
+            <pc:docMk/>
+            <pc:sldMk cId="116122542" sldId="327"/>
+            <ac:spMk id="12" creationId="{500A767A-2A3F-8111-2A2B-48521C46F12A}"/>
+          </ac:spMkLst>
+        </pc:spChg>
+        <pc:spChg chg="add mod">
+          <ac:chgData name="ゲスト ユーザー" userId="S::urn:spo:anon#1a1bfb785fcdce61c245b274591b60fab4cbf92da81a1c294836c8822c2dabce::" providerId="AD" clId="Web-{76EC1DE0-5878-4A98-3474-92D51159BE08}" dt="2024-06-14T06:01:38.510" v="83" actId="1076"/>
+          <ac:spMkLst>
+            <pc:docMk/>
+            <pc:sldMk cId="116122542" sldId="327"/>
+            <ac:spMk id="13" creationId="{98260715-C5C9-3DA0-C1A2-F73BBEA495E1}"/>
+          </ac:spMkLst>
+        </pc:spChg>
+        <pc:picChg chg="add mod ord">
+          <ac:chgData name="ゲスト ユーザー" userId="S::urn:spo:anon#1a1bfb785fcdce61c245b274591b60fab4cbf92da81a1c294836c8822c2dabce::" providerId="AD" clId="Web-{76EC1DE0-5878-4A98-3474-92D51159BE08}" dt="2024-06-14T05:45:48.742" v="36" actId="1076"/>
+          <ac:picMkLst>
+            <pc:docMk/>
+            <pc:sldMk cId="116122542" sldId="327"/>
+            <ac:picMk id="3" creationId="{19A4ABEC-B393-4B34-ED91-FC967F2BC870}"/>
+          </ac:picMkLst>
+        </pc:picChg>
       </pc:sldChg>
     </pc:docChg>
   </pc:docChgLst>
@@ -15498,42 +15823,6 @@
           </a:p>
         </p:txBody>
       </p:sp>
-      <p:pic>
-        <p:nvPicPr>
-          <p:cNvPr id="35" name="図 34" descr="タオル, 帽子 が含まれている画像&#10;&#10;自動的に生成された説明">
-            <a:extLst>
-              <a:ext uri="{FF2B5EF4-FFF2-40B4-BE49-F238E27FC236}">
-                <a16:creationId xmlns:a16="http://schemas.microsoft.com/office/drawing/2014/main" id="{660FD0FB-A4A9-BB02-06ED-2952C5A4F194}"/>
-              </a:ext>
-            </a:extLst>
-          </p:cNvPr>
-          <p:cNvPicPr>
-            <a:picLocks noChangeAspect="1"/>
-          </p:cNvPicPr>
-          <p:nvPr/>
-        </p:nvPicPr>
-        <p:blipFill>
-          <a:blip r:embed="rId3">
-            <a:extLst>
-              <a:ext uri="{28A0092B-C50C-407E-A947-70E740481C1C}">
-                <a14:useLocalDpi xmlns:a14="http://schemas.microsoft.com/office/drawing/2010/main" val="0"/>
-              </a:ext>
-            </a:extLst>
-          </a:blip>
-          <a:stretch>
-            <a:fillRect/>
-          </a:stretch>
-        </p:blipFill>
-        <p:spPr>
-          <a:xfrm>
-            <a:off x="4718097" y="920940"/>
-            <a:ext cx="2831267" cy="2474482"/>
-          </a:xfrm>
-          <a:prstGeom prst="rect">
-            <a:avLst/>
-          </a:prstGeom>
-        </p:spPr>
-      </p:pic>
       <p:sp>
         <p:nvSpPr>
           <p:cNvPr id="23" name="四角形: 角を丸くする 22">
@@ -15548,7 +15837,7 @@
         </p:nvSpPr>
         <p:spPr>
           <a:xfrm>
-            <a:off x="9732214" y="5498683"/>
+            <a:off x="10051762" y="6236102"/>
             <a:ext cx="1238864" cy="424934"/>
           </a:xfrm>
           <a:prstGeom prst="roundRect">
@@ -15604,7 +15893,7 @@
         </p:nvSpPr>
         <p:spPr>
           <a:xfrm>
-            <a:off x="9843757" y="5532044"/>
+            <a:off x="10163305" y="6257173"/>
             <a:ext cx="1015777" cy="369332"/>
           </a:xfrm>
           <a:prstGeom prst="rect">
@@ -15678,51 +15967,108 @@
           </a:p>
         </p:txBody>
       </p:sp>
-      <p:sp>
-        <p:nvSpPr>
-          <p:cNvPr id="4" name="テキスト ボックス 3">
-            <a:extLst>
-              <a:ext uri="{FF2B5EF4-FFF2-40B4-BE49-F238E27FC236}">
-                <a16:creationId xmlns:a16="http://schemas.microsoft.com/office/drawing/2014/main" id="{80D29745-2A5A-12EC-A282-F5F3B774AD09}"/>
-              </a:ext>
-            </a:extLst>
-          </p:cNvPr>
-          <p:cNvSpPr txBox="1"/>
-          <p:nvPr/>
-        </p:nvSpPr>
-        <p:spPr>
-          <a:xfrm>
-            <a:off x="5140960" y="2081014"/>
-            <a:ext cx="1800493" cy="369332"/>
-          </a:xfrm>
-          <a:prstGeom prst="rect">
-            <a:avLst/>
-          </a:prstGeom>
-          <a:noFill/>
-        </p:spPr>
-        <p:txBody>
-          <a:bodyPr wrap="none" rtlCol="0">
-            <a:spAutoFit/>
-          </a:bodyPr>
-          <a:lstStyle/>
-          <a:p>
-            <a:r>
-              <a:rPr lang="ja-JP" altLang="en-US">
-                <a:latin typeface="UD デジタル 教科書体 N-B" panose="02020700000000000000" pitchFamily="17" charset="-128"/>
-                <a:ea typeface="UD デジタル 教科書体 N-B" panose="02020700000000000000" pitchFamily="17" charset="-128"/>
-              </a:rPr>
-              <a:t>あなた</a:t>
-            </a:r>
-            <a:r>
-              <a:rPr kumimoji="1" lang="ja-JP" altLang="en-US">
-                <a:latin typeface="UD デジタル 教科書体 N-B" panose="02020700000000000000" pitchFamily="17" charset="-128"/>
-                <a:ea typeface="UD デジタル 教科書体 N-B" panose="02020700000000000000" pitchFamily="17" charset="-128"/>
-              </a:rPr>
-              <a:t>の持ち点</a:t>
-            </a:r>
-          </a:p>
-        </p:txBody>
-      </p:sp>
+      <p:grpSp>
+        <p:nvGrpSpPr>
+          <p:cNvPr id="5" name="グループ化 4">
+            <a:extLst>
+              <a:ext uri="{FF2B5EF4-FFF2-40B4-BE49-F238E27FC236}">
+                <a16:creationId xmlns:a16="http://schemas.microsoft.com/office/drawing/2014/main" id="{965792C6-50C2-6705-BB61-90B8C86D9115}"/>
+              </a:ext>
+            </a:extLst>
+          </p:cNvPr>
+          <p:cNvGrpSpPr/>
+          <p:nvPr/>
+        </p:nvGrpSpPr>
+        <p:grpSpPr>
+          <a:xfrm>
+            <a:off x="4558323" y="2899682"/>
+            <a:ext cx="2831267" cy="2474482"/>
+            <a:chOff x="4718097" y="920940"/>
+            <a:chExt cx="2831267" cy="2474482"/>
+          </a:xfrm>
+        </p:grpSpPr>
+        <p:pic>
+          <p:nvPicPr>
+            <p:cNvPr id="35" name="図 34" descr="タオル, 帽子 が含まれている画像&#10;&#10;自動的に生成された説明">
+              <a:extLst>
+                <a:ext uri="{FF2B5EF4-FFF2-40B4-BE49-F238E27FC236}">
+                  <a16:creationId xmlns:a16="http://schemas.microsoft.com/office/drawing/2014/main" id="{660FD0FB-A4A9-BB02-06ED-2952C5A4F194}"/>
+                </a:ext>
+              </a:extLst>
+            </p:cNvPr>
+            <p:cNvPicPr>
+              <a:picLocks noChangeAspect="1"/>
+            </p:cNvPicPr>
+            <p:nvPr/>
+          </p:nvPicPr>
+          <p:blipFill>
+            <a:blip r:embed="rId3">
+              <a:extLst>
+                <a:ext uri="{28A0092B-C50C-407E-A947-70E740481C1C}">
+                  <a14:useLocalDpi xmlns:a14="http://schemas.microsoft.com/office/drawing/2010/main" val="0"/>
+                </a:ext>
+              </a:extLst>
+            </a:blip>
+            <a:stretch>
+              <a:fillRect/>
+            </a:stretch>
+          </p:blipFill>
+          <p:spPr>
+            <a:xfrm>
+              <a:off x="4718097" y="920940"/>
+              <a:ext cx="2831267" cy="2474482"/>
+            </a:xfrm>
+            <a:prstGeom prst="rect">
+              <a:avLst/>
+            </a:prstGeom>
+          </p:spPr>
+        </p:pic>
+        <p:sp>
+          <p:nvSpPr>
+            <p:cNvPr id="4" name="テキスト ボックス 3">
+              <a:extLst>
+                <a:ext uri="{FF2B5EF4-FFF2-40B4-BE49-F238E27FC236}">
+                  <a16:creationId xmlns:a16="http://schemas.microsoft.com/office/drawing/2014/main" id="{80D29745-2A5A-12EC-A282-F5F3B774AD09}"/>
+                </a:ext>
+              </a:extLst>
+            </p:cNvPr>
+            <p:cNvSpPr txBox="1"/>
+            <p:nvPr/>
+          </p:nvSpPr>
+          <p:spPr>
+            <a:xfrm>
+              <a:off x="5140960" y="2081014"/>
+              <a:ext cx="1800493" cy="369332"/>
+            </a:xfrm>
+            <a:prstGeom prst="rect">
+              <a:avLst/>
+            </a:prstGeom>
+            <a:noFill/>
+          </p:spPr>
+          <p:txBody>
+            <a:bodyPr wrap="none" rtlCol="0">
+              <a:spAutoFit/>
+            </a:bodyPr>
+            <a:lstStyle/>
+            <a:p>
+              <a:r>
+                <a:rPr lang="ja-JP" altLang="en-US">
+                  <a:latin typeface="UD デジタル 教科書体 N-B" panose="02020700000000000000" pitchFamily="17" charset="-128"/>
+                  <a:ea typeface="UD デジタル 教科書体 N-B" panose="02020700000000000000" pitchFamily="17" charset="-128"/>
+                </a:rPr>
+                <a:t>あなた</a:t>
+              </a:r>
+              <a:r>
+                <a:rPr kumimoji="1" lang="ja-JP" altLang="en-US">
+                  <a:latin typeface="UD デジタル 教科書体 N-B" panose="02020700000000000000" pitchFamily="17" charset="-128"/>
+                  <a:ea typeface="UD デジタル 教科書体 N-B" panose="02020700000000000000" pitchFamily="17" charset="-128"/>
+                </a:rPr>
+                <a:t>の持ち点</a:t>
+              </a:r>
+            </a:p>
+          </p:txBody>
+        </p:sp>
+      </p:grpSp>
       <p:sp>
         <p:nvSpPr>
           <p:cNvPr id="24" name="四角形: 角を丸くする 23">
@@ -15737,7 +16083,7 @@
         </p:nvSpPr>
         <p:spPr>
           <a:xfrm>
-            <a:off x="3918074" y="2625213"/>
+            <a:off x="3795171" y="4825181"/>
             <a:ext cx="4355852" cy="1091381"/>
           </a:xfrm>
           <a:prstGeom prst="roundRect">
@@ -15808,7 +16154,7 @@
         </p:nvSpPr>
         <p:spPr>
           <a:xfrm>
-            <a:off x="7774694" y="5498683"/>
+            <a:off x="8536694" y="6236102"/>
             <a:ext cx="1337187" cy="424934"/>
           </a:xfrm>
           <a:prstGeom prst="roundRect">
@@ -15914,7 +16260,7 @@
         </p:nvGrpSpPr>
         <p:grpSpPr>
           <a:xfrm>
-            <a:off x="1939724" y="4069581"/>
+            <a:off x="1374369" y="2631613"/>
             <a:ext cx="2101236" cy="570271"/>
             <a:chOff x="1939724" y="4069581"/>
             <a:chExt cx="2101236" cy="570271"/>
@@ -15966,7 +16312,7 @@
             </a:fontRef>
           </p:style>
           <p:txBody>
-            <a:bodyPr rtlCol="0" anchor="ctr"/>
+            <a:bodyPr lIns="91440" tIns="45720" rIns="91440" bIns="45720" rtlCol="0" anchor="ctr"/>
             <a:lstStyle/>
             <a:p>
               <a:pPr algn="ctr"/>
@@ -15975,17 +16321,17 @@
                   <a:solidFill>
                     <a:schemeClr val="tx1"/>
                   </a:solidFill>
-                  <a:latin typeface="UD デジタル 教科書体 N-B" panose="02020700000000000000" pitchFamily="17" charset="-128"/>
-                  <a:ea typeface="UD デジタル 教科書体 N-B" panose="02020700000000000000" pitchFamily="17" charset="-128"/>
+                  <a:latin typeface="UD デジタル 教科書体 N-B"/>
+                  <a:ea typeface="UD デジタル 教科書体 N-B"/>
                 </a:rPr>
-                <a:t>相手の点数</a:t>
+                <a:t>いなむーの点数</a:t>
               </a:r>
               <a:endParaRPr kumimoji="1" lang="ja-JP" altLang="en-US">
                 <a:solidFill>
                   <a:schemeClr val="tx1"/>
                 </a:solidFill>
-                <a:latin typeface="UD デジタル 教科書体 N-B" panose="02020700000000000000" pitchFamily="17" charset="-128"/>
-                <a:ea typeface="UD デジタル 教科書体 N-B" panose="02020700000000000000" pitchFamily="17" charset="-128"/>
+                <a:latin typeface="UD デジタル 教科書体 N-B"/>
+                <a:ea typeface="UD デジタル 教科書体 N-B"/>
               </a:endParaRPr>
             </a:p>
           </p:txBody>
@@ -16093,7 +16439,7 @@
         </p:nvSpPr>
         <p:spPr>
           <a:xfrm>
-            <a:off x="1912922" y="4652402"/>
+            <a:off x="1347567" y="3214434"/>
             <a:ext cx="1980456" cy="647185"/>
           </a:xfrm>
           <a:prstGeom prst="flowChartAlternateProcess">
@@ -16147,7 +16493,7 @@
         </p:nvGrpSpPr>
         <p:grpSpPr>
           <a:xfrm>
-            <a:off x="4990588" y="4082131"/>
+            <a:off x="4916846" y="923518"/>
             <a:ext cx="2101236" cy="570271"/>
             <a:chOff x="1939724" y="4069581"/>
             <a:chExt cx="2101236" cy="570271"/>
@@ -16199,7 +16545,7 @@
             </a:fontRef>
           </p:style>
           <p:txBody>
-            <a:bodyPr rtlCol="0" anchor="ctr"/>
+            <a:bodyPr lIns="91440" tIns="45720" rIns="91440" bIns="45720" rtlCol="0" anchor="ctr"/>
             <a:lstStyle/>
             <a:p>
               <a:pPr algn="ctr"/>
@@ -16208,17 +16554,17 @@
                   <a:solidFill>
                     <a:schemeClr val="tx1"/>
                   </a:solidFill>
-                  <a:latin typeface="UD デジタル 教科書体 N-B" panose="02020700000000000000" pitchFamily="17" charset="-128"/>
-                  <a:ea typeface="UD デジタル 教科書体 N-B" panose="02020700000000000000" pitchFamily="17" charset="-128"/>
+                  <a:latin typeface="UD デジタル 教科書体 N-B"/>
+                  <a:ea typeface="UD デジタル 教科書体 N-B"/>
                 </a:rPr>
-                <a:t>相手の点数</a:t>
+                <a:t>きむの点数</a:t>
               </a:r>
               <a:endParaRPr kumimoji="1" lang="ja-JP" altLang="en-US">
                 <a:solidFill>
                   <a:schemeClr val="tx1"/>
                 </a:solidFill>
-                <a:latin typeface="UD デジタル 教科書体 N-B" panose="02020700000000000000" pitchFamily="17" charset="-128"/>
-                <a:ea typeface="UD デジタル 教科書体 N-B" panose="02020700000000000000" pitchFamily="17" charset="-128"/>
+                <a:latin typeface="UD デジタル 教科書体 N-B"/>
+                <a:ea typeface="UD デジタル 教科書体 N-B"/>
               </a:endParaRPr>
             </a:p>
           </p:txBody>
@@ -16326,7 +16672,7 @@
         </p:nvGrpSpPr>
         <p:grpSpPr>
           <a:xfrm>
-            <a:off x="8140813" y="4110883"/>
+            <a:off x="8386620" y="2636044"/>
             <a:ext cx="2114675" cy="570271"/>
             <a:chOff x="7991003" y="3942986"/>
             <a:chExt cx="2114675" cy="570271"/>
@@ -16378,7 +16724,7 @@
             </a:fontRef>
           </p:style>
           <p:txBody>
-            <a:bodyPr rtlCol="0" anchor="ctr"/>
+            <a:bodyPr lIns="91440" tIns="45720" rIns="91440" bIns="45720" rtlCol="0" anchor="ctr"/>
             <a:lstStyle/>
             <a:p>
               <a:pPr algn="ctr"/>
@@ -16387,17 +16733,17 @@
                   <a:solidFill>
                     <a:schemeClr val="tx1"/>
                   </a:solidFill>
-                  <a:latin typeface="UD デジタル 教科書体 N-B" panose="02020700000000000000" pitchFamily="17" charset="-128"/>
-                  <a:ea typeface="UD デジタル 教科書体 N-B" panose="02020700000000000000" pitchFamily="17" charset="-128"/>
+                  <a:latin typeface="UD デジタル 教科書体 N-B"/>
+                  <a:ea typeface="UD デジタル 教科書体 N-B"/>
                 </a:rPr>
-                <a:t>相手の点数</a:t>
+                <a:t>もももの点数</a:t>
               </a:r>
               <a:endParaRPr kumimoji="1" lang="ja-JP" altLang="en-US">
                 <a:solidFill>
                   <a:schemeClr val="tx1"/>
                 </a:solidFill>
-                <a:latin typeface="UD デジタル 教科書体 N-B" panose="02020700000000000000" pitchFamily="17" charset="-128"/>
-                <a:ea typeface="UD デジタル 教科書体 N-B" panose="02020700000000000000" pitchFamily="17" charset="-128"/>
+                <a:latin typeface="UD デジタル 教科書体 N-B"/>
+                <a:ea typeface="UD デジタル 教科書体 N-B"/>
               </a:endParaRPr>
             </a:p>
           </p:txBody>
@@ -36525,6 +36871,531 @@
     <p:extLst>
       <p:ext uri="{BB962C8B-B14F-4D97-AF65-F5344CB8AC3E}">
         <p14:creationId xmlns:p14="http://schemas.microsoft.com/office/powerpoint/2010/main" val="1729540276"/>
+      </p:ext>
+    </p:extLst>
+  </p:cSld>
+  <p:clrMapOvr>
+    <a:masterClrMapping/>
+  </p:clrMapOvr>
+</p:sld>
+</file>
+
+<file path=ppt/slides/slide32.xml><?xml version="1.0" encoding="utf-8"?>
+<p:sld xmlns:a="http://schemas.openxmlformats.org/drawingml/2006/main" xmlns:r="http://schemas.openxmlformats.org/officeDocument/2006/relationships" xmlns:p="http://schemas.openxmlformats.org/presentationml/2006/main">
+  <p:cSld>
+    <p:spTree>
+      <p:nvGrpSpPr>
+        <p:cNvPr id="1" name=""/>
+        <p:cNvGrpSpPr/>
+        <p:nvPr/>
+      </p:nvGrpSpPr>
+      <p:grpSpPr>
+        <a:xfrm>
+          <a:off x="0" y="0"/>
+          <a:ext cx="0" cy="0"/>
+          <a:chOff x="0" y="0"/>
+          <a:chExt cx="0" cy="0"/>
+        </a:xfrm>
+      </p:grpSpPr>
+      <p:sp>
+        <p:nvSpPr>
+          <p:cNvPr id="5" name="四角形: 角を丸くする 4">
+            <a:extLst>
+              <a:ext uri="{FF2B5EF4-FFF2-40B4-BE49-F238E27FC236}">
+                <a16:creationId xmlns:a16="http://schemas.microsoft.com/office/drawing/2014/main" id="{0161EBD7-1D51-9536-5B64-C74495BD9C4C}"/>
+              </a:ext>
+            </a:extLst>
+          </p:cNvPr>
+          <p:cNvSpPr/>
+          <p:nvPr/>
+        </p:nvSpPr>
+        <p:spPr>
+          <a:xfrm>
+            <a:off x="5627076" y="1567961"/>
+            <a:ext cx="1610264" cy="2329132"/>
+          </a:xfrm>
+          <a:prstGeom prst="roundRect">
+            <a:avLst/>
+          </a:prstGeom>
+          <a:solidFill>
+            <a:srgbClr val="FACAAC"/>
+          </a:solidFill>
+          <a:ln w="57150">
+            <a:solidFill>
+              <a:schemeClr val="tx2">
+                <a:lumMod val="90000"/>
+                <a:lumOff val="10000"/>
+              </a:schemeClr>
+            </a:solidFill>
+          </a:ln>
+        </p:spPr>
+        <p:style>
+          <a:lnRef idx="2">
+            <a:schemeClr val="accent1"/>
+          </a:lnRef>
+          <a:fillRef idx="1">
+            <a:schemeClr val="lt1"/>
+          </a:fillRef>
+          <a:effectRef idx="0">
+            <a:schemeClr val="accent1"/>
+          </a:effectRef>
+          <a:fontRef idx="minor">
+            <a:schemeClr val="dk1"/>
+          </a:fontRef>
+        </p:style>
+        <p:txBody>
+          <a:bodyPr rtlCol="0" anchor="ctr"/>
+          <a:lstStyle/>
+          <a:p>
+            <a:pPr algn="ctr"/>
+            <a:endParaRPr lang="ja-JP" altLang="en-US"/>
+          </a:p>
+        </p:txBody>
+      </p:sp>
+      <p:sp>
+        <p:nvSpPr>
+          <p:cNvPr id="6" name="四角形: 角を丸くする 5">
+            <a:extLst>
+              <a:ext uri="{FF2B5EF4-FFF2-40B4-BE49-F238E27FC236}">
+                <a16:creationId xmlns:a16="http://schemas.microsoft.com/office/drawing/2014/main" id="{F37E5C0A-C462-EEAE-6BAE-714B547B9A58}"/>
+              </a:ext>
+            </a:extLst>
+          </p:cNvPr>
+          <p:cNvSpPr/>
+          <p:nvPr/>
+        </p:nvSpPr>
+        <p:spPr>
+          <a:xfrm>
+            <a:off x="5397038" y="1381055"/>
+            <a:ext cx="1610264" cy="2329132"/>
+          </a:xfrm>
+          <a:prstGeom prst="roundRect">
+            <a:avLst/>
+          </a:prstGeom>
+          <a:ln w="57150">
+            <a:solidFill>
+              <a:schemeClr val="tx2">
+                <a:lumMod val="90000"/>
+                <a:lumOff val="10000"/>
+              </a:schemeClr>
+            </a:solidFill>
+          </a:ln>
+        </p:spPr>
+        <p:style>
+          <a:lnRef idx="2">
+            <a:schemeClr val="accent1"/>
+          </a:lnRef>
+          <a:fillRef idx="1">
+            <a:schemeClr val="lt1"/>
+          </a:fillRef>
+          <a:effectRef idx="0">
+            <a:schemeClr val="accent1"/>
+          </a:effectRef>
+          <a:fontRef idx="minor">
+            <a:schemeClr val="dk1"/>
+          </a:fontRef>
+        </p:style>
+        <p:txBody>
+          <a:bodyPr lIns="91440" tIns="45720" rIns="91440" bIns="45720" rtlCol="0" anchor="ctr"/>
+          <a:lstStyle/>
+          <a:p>
+            <a:pPr algn="ctr"/>
+            <a:r>
+              <a:rPr lang="ja-JP" altLang="en-US" sz="5400" b="1">
+                <a:solidFill>
+                  <a:schemeClr val="accent1">
+                    <a:lumMod val="50000"/>
+                  </a:schemeClr>
+                </a:solidFill>
+                <a:latin typeface="Meiryo"/>
+                <a:ea typeface="Meiryo"/>
+              </a:rPr>
+              <a:t>ら</a:t>
+            </a:r>
+          </a:p>
+        </p:txBody>
+      </p:sp>
+      <p:pic>
+        <p:nvPicPr>
+          <p:cNvPr id="3" name="Picture 4" descr="Cute Free Icon of a Sparrow | Free Icon &amp; Cute Illustration ...">
+            <a:extLst>
+              <a:ext uri="{FF2B5EF4-FFF2-40B4-BE49-F238E27FC236}">
+                <a16:creationId xmlns:a16="http://schemas.microsoft.com/office/drawing/2014/main" id="{19A4ABEC-B393-4B34-ED91-FC967F2BC870}"/>
+              </a:ext>
+            </a:extLst>
+          </p:cNvPr>
+          <p:cNvPicPr>
+            <a:picLocks noChangeAspect="1" noChangeArrowheads="1"/>
+          </p:cNvPicPr>
+          <p:nvPr/>
+        </p:nvPicPr>
+        <p:blipFill>
+          <a:blip r:embed="rId2">
+            <a:extLst>
+              <a:ext uri="{28A0092B-C50C-407E-A947-70E740481C1C}">
+                <a14:useLocalDpi xmlns:a14="http://schemas.microsoft.com/office/drawing/2010/main" val="0"/>
+              </a:ext>
+            </a:extLst>
+          </a:blip>
+          <a:srcRect/>
+          <a:stretch>
+            <a:fillRect/>
+          </a:stretch>
+        </p:blipFill>
+        <p:spPr bwMode="auto">
+          <a:xfrm>
+            <a:off x="3177325" y="1378983"/>
+            <a:ext cx="2037963" cy="2334580"/>
+          </a:xfrm>
+          <a:prstGeom prst="rect">
+            <a:avLst/>
+          </a:prstGeom>
+          <a:noFill/>
+          <a:extLst>
+            <a:ext uri="{909E8E84-426E-40DD-AFC4-6F175D3DCCD1}">
+              <a14:hiddenFill xmlns:a14="http://schemas.microsoft.com/office/drawing/2010/main">
+                <a:solidFill>
+                  <a:srgbClr val="FFFFFF"/>
+                </a:solidFill>
+              </a14:hiddenFill>
+            </a:ext>
+          </a:extLst>
+        </p:spPr>
+      </p:pic>
+      <p:sp>
+        <p:nvSpPr>
+          <p:cNvPr id="7" name="四角形: 角を丸くする 6">
+            <a:extLst>
+              <a:ext uri="{FF2B5EF4-FFF2-40B4-BE49-F238E27FC236}">
+                <a16:creationId xmlns:a16="http://schemas.microsoft.com/office/drawing/2014/main" id="{9BEB9421-D9A7-19D0-5126-9ABAB60115E7}"/>
+              </a:ext>
+            </a:extLst>
+          </p:cNvPr>
+          <p:cNvSpPr/>
+          <p:nvPr/>
+        </p:nvSpPr>
+        <p:spPr>
+          <a:xfrm>
+            <a:off x="7524886" y="1567960"/>
+            <a:ext cx="1610264" cy="2329132"/>
+          </a:xfrm>
+          <a:prstGeom prst="roundRect">
+            <a:avLst/>
+          </a:prstGeom>
+          <a:solidFill>
+            <a:srgbClr val="FACAAC"/>
+          </a:solidFill>
+          <a:ln w="57150">
+            <a:solidFill>
+              <a:schemeClr val="tx2">
+                <a:lumMod val="90000"/>
+                <a:lumOff val="10000"/>
+              </a:schemeClr>
+            </a:solidFill>
+          </a:ln>
+        </p:spPr>
+        <p:style>
+          <a:lnRef idx="2">
+            <a:schemeClr val="accent1"/>
+          </a:lnRef>
+          <a:fillRef idx="1">
+            <a:schemeClr val="lt1"/>
+          </a:fillRef>
+          <a:effectRef idx="0">
+            <a:schemeClr val="accent1"/>
+          </a:effectRef>
+          <a:fontRef idx="minor">
+            <a:schemeClr val="dk1"/>
+          </a:fontRef>
+        </p:style>
+        <p:txBody>
+          <a:bodyPr rtlCol="0" anchor="ctr"/>
+          <a:lstStyle/>
+          <a:p>
+            <a:pPr algn="ctr"/>
+            <a:endParaRPr lang="ja-JP" altLang="en-US"/>
+          </a:p>
+        </p:txBody>
+      </p:sp>
+      <p:sp>
+        <p:nvSpPr>
+          <p:cNvPr id="8" name="四角形: 角を丸くする 7">
+            <a:extLst>
+              <a:ext uri="{FF2B5EF4-FFF2-40B4-BE49-F238E27FC236}">
+                <a16:creationId xmlns:a16="http://schemas.microsoft.com/office/drawing/2014/main" id="{76682C85-AD03-5A68-A39C-C4D22E164A3D}"/>
+              </a:ext>
+            </a:extLst>
+          </p:cNvPr>
+          <p:cNvSpPr/>
+          <p:nvPr/>
+        </p:nvSpPr>
+        <p:spPr>
+          <a:xfrm>
+            <a:off x="7352358" y="1381054"/>
+            <a:ext cx="1610264" cy="2329132"/>
+          </a:xfrm>
+          <a:prstGeom prst="roundRect">
+            <a:avLst/>
+          </a:prstGeom>
+          <a:ln w="57150">
+            <a:solidFill>
+              <a:schemeClr val="tx2">
+                <a:lumMod val="90000"/>
+                <a:lumOff val="10000"/>
+              </a:schemeClr>
+            </a:solidFill>
+          </a:ln>
+        </p:spPr>
+        <p:style>
+          <a:lnRef idx="2">
+            <a:schemeClr val="accent1"/>
+          </a:lnRef>
+          <a:fillRef idx="1">
+            <a:schemeClr val="lt1"/>
+          </a:fillRef>
+          <a:effectRef idx="0">
+            <a:schemeClr val="accent1"/>
+          </a:effectRef>
+          <a:fontRef idx="minor">
+            <a:schemeClr val="dk1"/>
+          </a:fontRef>
+        </p:style>
+        <p:txBody>
+          <a:bodyPr lIns="91440" tIns="45720" rIns="91440" bIns="45720" rtlCol="0" anchor="ctr"/>
+          <a:lstStyle/>
+          <a:p>
+            <a:pPr algn="ctr"/>
+            <a:r>
+              <a:rPr lang="ja-JP" altLang="en-US" sz="5400" b="1">
+                <a:solidFill>
+                  <a:schemeClr val="accent1">
+                    <a:lumMod val="50000"/>
+                  </a:schemeClr>
+                </a:solidFill>
+                <a:latin typeface="Meiryo"/>
+                <a:ea typeface="Meiryo"/>
+              </a:rPr>
+              <a:t>く</a:t>
+            </a:r>
+          </a:p>
+        </p:txBody>
+      </p:sp>
+      <p:sp>
+        <p:nvSpPr>
+          <p:cNvPr id="9" name="フローチャート: 結合子 8">
+            <a:extLst>
+              <a:ext uri="{FF2B5EF4-FFF2-40B4-BE49-F238E27FC236}">
+                <a16:creationId xmlns:a16="http://schemas.microsoft.com/office/drawing/2014/main" id="{DEB0995E-9433-1B45-1DE9-1CBDF9798066}"/>
+              </a:ext>
+            </a:extLst>
+          </p:cNvPr>
+          <p:cNvSpPr/>
+          <p:nvPr/>
+        </p:nvSpPr>
+        <p:spPr>
+          <a:xfrm>
+            <a:off x="5542472" y="1567131"/>
+            <a:ext cx="158150" cy="143773"/>
+          </a:xfrm>
+          <a:prstGeom prst="flowChartConnector">
+            <a:avLst/>
+          </a:prstGeom>
+          <a:ln>
+            <a:solidFill>
+              <a:schemeClr val="accent1">
+                <a:lumMod val="50000"/>
+              </a:schemeClr>
+            </a:solidFill>
+          </a:ln>
+        </p:spPr>
+        <p:style>
+          <a:lnRef idx="2">
+            <a:schemeClr val="accent1">
+              <a:shade val="15000"/>
+            </a:schemeClr>
+          </a:lnRef>
+          <a:fillRef idx="1">
+            <a:schemeClr val="accent1"/>
+          </a:fillRef>
+          <a:effectRef idx="0">
+            <a:schemeClr val="accent1"/>
+          </a:effectRef>
+          <a:fontRef idx="minor">
+            <a:schemeClr val="lt1"/>
+          </a:fontRef>
+        </p:style>
+        <p:txBody>
+          <a:bodyPr rtlCol="0" anchor="ctr"/>
+          <a:lstStyle/>
+          <a:p>
+            <a:pPr algn="ctr"/>
+            <a:endParaRPr lang="ja-JP" altLang="en-US"/>
+          </a:p>
+        </p:txBody>
+      </p:sp>
+      <p:sp>
+        <p:nvSpPr>
+          <p:cNvPr id="10" name="フローチャート: 結合子 9">
+            <a:extLst>
+              <a:ext uri="{FF2B5EF4-FFF2-40B4-BE49-F238E27FC236}">
+                <a16:creationId xmlns:a16="http://schemas.microsoft.com/office/drawing/2014/main" id="{12180692-637F-57FD-6C4E-7AB0A25C3DC1}"/>
+              </a:ext>
+            </a:extLst>
+          </p:cNvPr>
+          <p:cNvSpPr/>
+          <p:nvPr/>
+        </p:nvSpPr>
+        <p:spPr>
+          <a:xfrm>
+            <a:off x="7526547" y="1567130"/>
+            <a:ext cx="158150" cy="143773"/>
+          </a:xfrm>
+          <a:prstGeom prst="flowChartConnector">
+            <a:avLst/>
+          </a:prstGeom>
+          <a:ln>
+            <a:solidFill>
+              <a:schemeClr val="accent1">
+                <a:lumMod val="50000"/>
+              </a:schemeClr>
+            </a:solidFill>
+          </a:ln>
+        </p:spPr>
+        <p:style>
+          <a:lnRef idx="2">
+            <a:schemeClr val="accent1">
+              <a:shade val="15000"/>
+            </a:schemeClr>
+          </a:lnRef>
+          <a:fillRef idx="1">
+            <a:schemeClr val="accent1"/>
+          </a:fillRef>
+          <a:effectRef idx="0">
+            <a:schemeClr val="accent1"/>
+          </a:effectRef>
+          <a:fontRef idx="minor">
+            <a:schemeClr val="lt1"/>
+          </a:fontRef>
+        </p:style>
+        <p:txBody>
+          <a:bodyPr rtlCol="0" anchor="ctr"/>
+          <a:lstStyle/>
+          <a:p>
+            <a:pPr algn="ctr"/>
+            <a:endParaRPr lang="ja-JP" altLang="en-US"/>
+          </a:p>
+        </p:txBody>
+      </p:sp>
+      <p:sp>
+        <p:nvSpPr>
+          <p:cNvPr id="12" name="フローチャート: 結合子 11">
+            <a:extLst>
+              <a:ext uri="{FF2B5EF4-FFF2-40B4-BE49-F238E27FC236}">
+                <a16:creationId xmlns:a16="http://schemas.microsoft.com/office/drawing/2014/main" id="{500A767A-2A3F-8111-2A2B-48521C46F12A}"/>
+              </a:ext>
+            </a:extLst>
+          </p:cNvPr>
+          <p:cNvSpPr/>
+          <p:nvPr/>
+        </p:nvSpPr>
+        <p:spPr>
+          <a:xfrm>
+            <a:off x="6663905" y="3364300"/>
+            <a:ext cx="158150" cy="143773"/>
+          </a:xfrm>
+          <a:prstGeom prst="flowChartConnector">
+            <a:avLst/>
+          </a:prstGeom>
+          <a:ln>
+            <a:solidFill>
+              <a:schemeClr val="accent1">
+                <a:lumMod val="50000"/>
+              </a:schemeClr>
+            </a:solidFill>
+          </a:ln>
+        </p:spPr>
+        <p:style>
+          <a:lnRef idx="2">
+            <a:schemeClr val="accent1">
+              <a:shade val="15000"/>
+            </a:schemeClr>
+          </a:lnRef>
+          <a:fillRef idx="1">
+            <a:schemeClr val="accent1"/>
+          </a:fillRef>
+          <a:effectRef idx="0">
+            <a:schemeClr val="accent1"/>
+          </a:effectRef>
+          <a:fontRef idx="minor">
+            <a:schemeClr val="lt1"/>
+          </a:fontRef>
+        </p:style>
+        <p:txBody>
+          <a:bodyPr rtlCol="0" anchor="ctr"/>
+          <a:lstStyle/>
+          <a:p>
+            <a:pPr algn="ctr"/>
+            <a:endParaRPr lang="ja-JP" altLang="en-US"/>
+          </a:p>
+        </p:txBody>
+      </p:sp>
+      <p:sp>
+        <p:nvSpPr>
+          <p:cNvPr id="13" name="フローチャート: 結合子 12">
+            <a:extLst>
+              <a:ext uri="{FF2B5EF4-FFF2-40B4-BE49-F238E27FC236}">
+                <a16:creationId xmlns:a16="http://schemas.microsoft.com/office/drawing/2014/main" id="{98260715-C5C9-3DA0-C1A2-F73BBEA495E1}"/>
+              </a:ext>
+            </a:extLst>
+          </p:cNvPr>
+          <p:cNvSpPr/>
+          <p:nvPr/>
+        </p:nvSpPr>
+        <p:spPr>
+          <a:xfrm>
+            <a:off x="8633604" y="3364300"/>
+            <a:ext cx="158150" cy="143773"/>
+          </a:xfrm>
+          <a:prstGeom prst="flowChartConnector">
+            <a:avLst/>
+          </a:prstGeom>
+          <a:ln>
+            <a:solidFill>
+              <a:schemeClr val="accent1">
+                <a:lumMod val="50000"/>
+              </a:schemeClr>
+            </a:solidFill>
+          </a:ln>
+        </p:spPr>
+        <p:style>
+          <a:lnRef idx="2">
+            <a:schemeClr val="accent1">
+              <a:shade val="15000"/>
+            </a:schemeClr>
+          </a:lnRef>
+          <a:fillRef idx="1">
+            <a:schemeClr val="accent1"/>
+          </a:fillRef>
+          <a:effectRef idx="0">
+            <a:schemeClr val="accent1"/>
+          </a:effectRef>
+          <a:fontRef idx="minor">
+            <a:schemeClr val="lt1"/>
+          </a:fontRef>
+        </p:style>
+        <p:txBody>
+          <a:bodyPr rtlCol="0" anchor="ctr"/>
+          <a:lstStyle/>
+          <a:p>
+            <a:pPr algn="ctr"/>
+            <a:endParaRPr lang="ja-JP" altLang="en-US"/>
+          </a:p>
+        </p:txBody>
+      </p:sp>
+    </p:spTree>
+    <p:extLst>
+      <p:ext uri="{BB962C8B-B14F-4D97-AF65-F5344CB8AC3E}">
+        <p14:creationId xmlns:p14="http://schemas.microsoft.com/office/powerpoint/2010/main" val="116122542"/>
       </p:ext>
     </p:extLst>
   </p:cSld>
@@ -38148,8 +39019,8 @@
         </p:nvSpPr>
         <p:spPr>
           <a:xfrm>
-            <a:off x="2751538" y="1667897"/>
-            <a:ext cx="6578043" cy="4444279"/>
+            <a:off x="2751538" y="1766219"/>
+            <a:ext cx="6578043" cy="4001829"/>
           </a:xfrm>
           <a:prstGeom prst="roundRect">
             <a:avLst/>
@@ -38605,7 +39476,7 @@
         </p:nvSpPr>
         <p:spPr>
           <a:xfrm>
-            <a:off x="4937169" y="4466522"/>
+            <a:off x="3499202" y="5056457"/>
             <a:ext cx="2177142" cy="362857"/>
           </a:xfrm>
           <a:prstGeom prst="roundRect">
@@ -38616,7 +39487,7 @@
           </a:solidFill>
           <a:ln w="57150">
             <a:solidFill>
-              <a:srgbClr val="66CC66"/>
+              <a:srgbClr val="FF6633"/>
             </a:solidFill>
           </a:ln>
         </p:spPr>
@@ -38659,7 +39530,7 @@
         </p:nvSpPr>
         <p:spPr>
           <a:xfrm>
-            <a:off x="4988573" y="4471681"/>
+            <a:off x="3550606" y="5061616"/>
             <a:ext cx="1266976" cy="369332"/>
           </a:xfrm>
           <a:prstGeom prst="rect">
@@ -38700,7 +39571,7 @@
         </p:nvSpPr>
         <p:spPr>
           <a:xfrm>
-            <a:off x="4949263" y="5022902"/>
+            <a:off x="4924682" y="4432967"/>
             <a:ext cx="2177142" cy="362857"/>
           </a:xfrm>
           <a:prstGeom prst="roundRect">
@@ -38754,7 +39625,7 @@
         </p:nvSpPr>
         <p:spPr>
           <a:xfrm>
-            <a:off x="4925961" y="5567187"/>
+            <a:off x="6228735" y="5038703"/>
             <a:ext cx="2177142" cy="362857"/>
           </a:xfrm>
           <a:prstGeom prst="roundRect">
@@ -38808,7 +39679,7 @@
         </p:nvSpPr>
         <p:spPr>
           <a:xfrm>
-            <a:off x="4988572" y="5028061"/>
+            <a:off x="4963991" y="4438126"/>
             <a:ext cx="1266976" cy="369332"/>
           </a:xfrm>
           <a:prstGeom prst="rect">
@@ -38943,7 +39814,7 @@
         </p:nvSpPr>
         <p:spPr>
           <a:xfrm>
-            <a:off x="4988571" y="5572346"/>
+            <a:off x="6291345" y="5043862"/>
             <a:ext cx="1266976" cy="369332"/>
           </a:xfrm>
           <a:prstGeom prst="rect">
@@ -39108,8 +39979,8 @@
         </p:nvSpPr>
         <p:spPr>
           <a:xfrm>
-            <a:off x="3009273" y="1286898"/>
-            <a:ext cx="6824572" cy="4657190"/>
+            <a:off x="3046143" y="1286898"/>
+            <a:ext cx="6787702" cy="4251610"/>
           </a:xfrm>
           <a:prstGeom prst="roundRect">
             <a:avLst/>
@@ -40694,7 +41565,7 @@
         </p:nvSpPr>
         <p:spPr>
           <a:xfrm>
-            <a:off x="5206998" y="4854814"/>
+            <a:off x="3793611" y="4854814"/>
             <a:ext cx="2177142" cy="362857"/>
           </a:xfrm>
           <a:prstGeom prst="roundRect">
@@ -40705,7 +41576,7 @@
           </a:solidFill>
           <a:ln w="57150">
             <a:solidFill>
-              <a:srgbClr val="66CC66"/>
+              <a:srgbClr val="FF6633"/>
             </a:solidFill>
           </a:ln>
         </p:spPr>
@@ -40842,7 +41713,7 @@
         </p:nvSpPr>
         <p:spPr>
           <a:xfrm>
-            <a:off x="5194902" y="5399099"/>
+            <a:off x="6620579" y="4858325"/>
             <a:ext cx="2177142" cy="362857"/>
           </a:xfrm>
           <a:prstGeom prst="roundRect">
@@ -40990,7 +41861,7 @@
         </p:nvSpPr>
         <p:spPr>
           <a:xfrm>
-            <a:off x="5246307" y="4859973"/>
+            <a:off x="3832920" y="4859973"/>
             <a:ext cx="1266976" cy="369332"/>
           </a:xfrm>
           <a:prstGeom prst="rect">
@@ -41125,7 +41996,7 @@
         </p:nvSpPr>
         <p:spPr>
           <a:xfrm>
-            <a:off x="5246306" y="5404257"/>
+            <a:off x="6671983" y="4863483"/>
             <a:ext cx="1266976" cy="369332"/>
           </a:xfrm>
           <a:prstGeom prst="rect">

--- a/doc/02_外部設計/外部設計_麻雀アプリ.pptx
+++ b/doc/02_外部設計/外部設計_麻雀アプリ.pptx
@@ -4529,7 +4529,7 @@
           <a:p>
             <a:fld id="{C0EB4879-403B-4763-87B3-9FFAC4021DF4}" type="datetimeFigureOut">
               <a:rPr kumimoji="1" lang="ja-JP" altLang="en-US" smtClean="0"/>
-              <a:t>2024/6/13</a:t>
+              <a:t>2024/6/17</a:t>
             </a:fld>
             <a:endParaRPr kumimoji="1" lang="ja-JP" altLang="en-US"/>
           </a:p>
@@ -6454,7 +6454,7 @@
           <a:p>
             <a:fld id="{A45557B2-FB0A-404C-A865-8BCD55AA15D9}" type="datetimeFigureOut">
               <a:rPr kumimoji="1" lang="ja-JP" altLang="en-US" smtClean="0"/>
-              <a:t>2024/6/13</a:t>
+              <a:t>2024/6/17</a:t>
             </a:fld>
             <a:endParaRPr kumimoji="1" lang="ja-JP" altLang="en-US"/>
           </a:p>
@@ -6684,7 +6684,7 @@
           <a:p>
             <a:fld id="{A45557B2-FB0A-404C-A865-8BCD55AA15D9}" type="datetimeFigureOut">
               <a:rPr kumimoji="1" lang="ja-JP" altLang="en-US" smtClean="0"/>
-              <a:t>2024/6/13</a:t>
+              <a:t>2024/6/17</a:t>
             </a:fld>
             <a:endParaRPr kumimoji="1" lang="ja-JP" altLang="en-US"/>
           </a:p>
@@ -6924,7 +6924,7 @@
           <a:p>
             <a:fld id="{A45557B2-FB0A-404C-A865-8BCD55AA15D9}" type="datetimeFigureOut">
               <a:rPr kumimoji="1" lang="ja-JP" altLang="en-US" smtClean="0"/>
-              <a:t>2024/6/13</a:t>
+              <a:t>2024/6/17</a:t>
             </a:fld>
             <a:endParaRPr kumimoji="1" lang="ja-JP" altLang="en-US"/>
           </a:p>
@@ -7154,7 +7154,7 @@
           <a:p>
             <a:fld id="{A45557B2-FB0A-404C-A865-8BCD55AA15D9}" type="datetimeFigureOut">
               <a:rPr kumimoji="1" lang="ja-JP" altLang="en-US" smtClean="0"/>
-              <a:t>2024/6/13</a:t>
+              <a:t>2024/6/17</a:t>
             </a:fld>
             <a:endParaRPr kumimoji="1" lang="ja-JP" altLang="en-US"/>
           </a:p>
@@ -7429,7 +7429,7 @@
           <a:p>
             <a:fld id="{A45557B2-FB0A-404C-A865-8BCD55AA15D9}" type="datetimeFigureOut">
               <a:rPr kumimoji="1" lang="ja-JP" altLang="en-US" smtClean="0"/>
-              <a:t>2024/6/13</a:t>
+              <a:t>2024/6/17</a:t>
             </a:fld>
             <a:endParaRPr kumimoji="1" lang="ja-JP" altLang="en-US"/>
           </a:p>
@@ -7758,7 +7758,7 @@
           <a:p>
             <a:fld id="{A45557B2-FB0A-404C-A865-8BCD55AA15D9}" type="datetimeFigureOut">
               <a:rPr kumimoji="1" lang="ja-JP" altLang="en-US" smtClean="0"/>
-              <a:t>2024/6/13</a:t>
+              <a:t>2024/6/17</a:t>
             </a:fld>
             <a:endParaRPr kumimoji="1" lang="ja-JP" altLang="en-US"/>
           </a:p>
@@ -8234,7 +8234,7 @@
           <a:p>
             <a:fld id="{A45557B2-FB0A-404C-A865-8BCD55AA15D9}" type="datetimeFigureOut">
               <a:rPr kumimoji="1" lang="ja-JP" altLang="en-US" smtClean="0"/>
-              <a:t>2024/6/13</a:t>
+              <a:t>2024/6/17</a:t>
             </a:fld>
             <a:endParaRPr kumimoji="1" lang="ja-JP" altLang="en-US"/>
           </a:p>
@@ -8375,7 +8375,7 @@
           <a:p>
             <a:fld id="{A45557B2-FB0A-404C-A865-8BCD55AA15D9}" type="datetimeFigureOut">
               <a:rPr kumimoji="1" lang="ja-JP" altLang="en-US" smtClean="0"/>
-              <a:t>2024/6/13</a:t>
+              <a:t>2024/6/17</a:t>
             </a:fld>
             <a:endParaRPr kumimoji="1" lang="ja-JP" altLang="en-US"/>
           </a:p>
@@ -8488,7 +8488,7 @@
           <a:p>
             <a:fld id="{A45557B2-FB0A-404C-A865-8BCD55AA15D9}" type="datetimeFigureOut">
               <a:rPr kumimoji="1" lang="ja-JP" altLang="en-US" smtClean="0"/>
-              <a:t>2024/6/13</a:t>
+              <a:t>2024/6/17</a:t>
             </a:fld>
             <a:endParaRPr kumimoji="1" lang="ja-JP" altLang="en-US"/>
           </a:p>
@@ -8831,7 +8831,7 @@
           <a:p>
             <a:fld id="{A45557B2-FB0A-404C-A865-8BCD55AA15D9}" type="datetimeFigureOut">
               <a:rPr kumimoji="1" lang="ja-JP" altLang="en-US" smtClean="0"/>
-              <a:t>2024/6/13</a:t>
+              <a:t>2024/6/17</a:t>
             </a:fld>
             <a:endParaRPr kumimoji="1" lang="ja-JP" altLang="en-US"/>
           </a:p>
@@ -9119,7 +9119,7 @@
           <a:p>
             <a:fld id="{A45557B2-FB0A-404C-A865-8BCD55AA15D9}" type="datetimeFigureOut">
               <a:rPr kumimoji="1" lang="ja-JP" altLang="en-US" smtClean="0"/>
-              <a:t>2024/6/13</a:t>
+              <a:t>2024/6/17</a:t>
             </a:fld>
             <a:endParaRPr kumimoji="1" lang="ja-JP" altLang="en-US"/>
           </a:p>
@@ -9392,7 +9392,7 @@
           <a:p>
             <a:fld id="{A45557B2-FB0A-404C-A865-8BCD55AA15D9}" type="datetimeFigureOut">
               <a:rPr kumimoji="1" lang="ja-JP" altLang="en-US" smtClean="0"/>
-              <a:t>2024/6/13</a:t>
+              <a:t>2024/6/17</a:t>
             </a:fld>
             <a:endParaRPr kumimoji="1" lang="ja-JP" altLang="en-US"/>
           </a:p>
@@ -11807,6 +11807,420 @@
           </a:p>
         </p:txBody>
       </p:sp>
+      <p:grpSp>
+        <p:nvGrpSpPr>
+          <p:cNvPr id="40" name="グループ化 39">
+            <a:extLst>
+              <a:ext uri="{FF2B5EF4-FFF2-40B4-BE49-F238E27FC236}">
+                <a16:creationId xmlns:a16="http://schemas.microsoft.com/office/drawing/2014/main" id="{24301C83-698A-F5AD-B683-CD63843BF3BB}"/>
+              </a:ext>
+            </a:extLst>
+          </p:cNvPr>
+          <p:cNvGrpSpPr/>
+          <p:nvPr/>
+        </p:nvGrpSpPr>
+        <p:grpSpPr>
+          <a:xfrm>
+            <a:off x="7737783" y="2053478"/>
+            <a:ext cx="3859403" cy="2253937"/>
+            <a:chOff x="7737783" y="2053478"/>
+            <a:chExt cx="3859403" cy="2253937"/>
+          </a:xfrm>
+        </p:grpSpPr>
+        <p:grpSp>
+          <p:nvGrpSpPr>
+            <p:cNvPr id="16" name="グループ化 15">
+              <a:extLst>
+                <a:ext uri="{FF2B5EF4-FFF2-40B4-BE49-F238E27FC236}">
+                  <a16:creationId xmlns:a16="http://schemas.microsoft.com/office/drawing/2014/main" id="{306A2D00-3228-04D1-F872-11D4C7334E85}"/>
+                </a:ext>
+              </a:extLst>
+            </p:cNvPr>
+            <p:cNvGrpSpPr/>
+            <p:nvPr/>
+          </p:nvGrpSpPr>
+          <p:grpSpPr>
+            <a:xfrm>
+              <a:off x="7737783" y="2053478"/>
+              <a:ext cx="3859403" cy="2253937"/>
+              <a:chOff x="4768672" y="1014152"/>
+              <a:chExt cx="3269158" cy="2253937"/>
+            </a:xfrm>
+            <a:solidFill>
+              <a:schemeClr val="bg1"/>
+            </a:solidFill>
+          </p:grpSpPr>
+          <p:grpSp>
+            <p:nvGrpSpPr>
+              <p:cNvPr id="17" name="グループ化 16">
+                <a:extLst>
+                  <a:ext uri="{FF2B5EF4-FFF2-40B4-BE49-F238E27FC236}">
+                    <a16:creationId xmlns:a16="http://schemas.microsoft.com/office/drawing/2014/main" id="{B4E401C2-E723-D887-6487-A25742B1D721}"/>
+                  </a:ext>
+                </a:extLst>
+              </p:cNvPr>
+              <p:cNvGrpSpPr/>
+              <p:nvPr/>
+            </p:nvGrpSpPr>
+            <p:grpSpPr>
+              <a:xfrm>
+                <a:off x="4768672" y="1014152"/>
+                <a:ext cx="3269158" cy="2253937"/>
+                <a:chOff x="4768672" y="1014152"/>
+                <a:chExt cx="3269158" cy="2253937"/>
+              </a:xfrm>
+              <a:grpFill/>
+            </p:grpSpPr>
+            <p:sp>
+              <p:nvSpPr>
+                <p:cNvPr id="19" name="四角形: 角を丸くする 18">
+                  <a:extLst>
+                    <a:ext uri="{FF2B5EF4-FFF2-40B4-BE49-F238E27FC236}">
+                      <a16:creationId xmlns:a16="http://schemas.microsoft.com/office/drawing/2014/main" id="{9D22BC62-B423-6159-9885-9FB9FAD167AE}"/>
+                    </a:ext>
+                  </a:extLst>
+                </p:cNvPr>
+                <p:cNvSpPr/>
+                <p:nvPr/>
+              </p:nvSpPr>
+              <p:spPr>
+                <a:xfrm>
+                  <a:off x="4768672" y="1014152"/>
+                  <a:ext cx="3269158" cy="2253937"/>
+                </a:xfrm>
+                <a:prstGeom prst="roundRect">
+                  <a:avLst/>
+                </a:prstGeom>
+                <a:grpFill/>
+                <a:ln w="76200">
+                  <a:solidFill>
+                    <a:srgbClr val="FF6633"/>
+                  </a:solidFill>
+                </a:ln>
+              </p:spPr>
+              <p:style>
+                <a:lnRef idx="2">
+                  <a:schemeClr val="accent1">
+                    <a:shade val="15000"/>
+                  </a:schemeClr>
+                </a:lnRef>
+                <a:fillRef idx="1">
+                  <a:schemeClr val="accent1"/>
+                </a:fillRef>
+                <a:effectRef idx="0">
+                  <a:schemeClr val="accent1"/>
+                </a:effectRef>
+                <a:fontRef idx="minor">
+                  <a:schemeClr val="lt1"/>
+                </a:fontRef>
+              </p:style>
+              <p:txBody>
+                <a:bodyPr rtlCol="0" anchor="ctr"/>
+                <a:lstStyle/>
+                <a:p>
+                  <a:pPr algn="ctr"/>
+                  <a:endParaRPr kumimoji="1" lang="ja-JP" altLang="en-US"/>
+                </a:p>
+              </p:txBody>
+            </p:sp>
+            <p:sp>
+              <p:nvSpPr>
+                <p:cNvPr id="32" name="テキスト ボックス 31">
+                  <a:extLst>
+                    <a:ext uri="{FF2B5EF4-FFF2-40B4-BE49-F238E27FC236}">
+                      <a16:creationId xmlns:a16="http://schemas.microsoft.com/office/drawing/2014/main" id="{6C273BC2-2F3C-D7EC-730F-AB70CCD239E5}"/>
+                    </a:ext>
+                  </a:extLst>
+                </p:cNvPr>
+                <p:cNvSpPr txBox="1"/>
+                <p:nvPr/>
+              </p:nvSpPr>
+              <p:spPr>
+                <a:xfrm>
+                  <a:off x="4907248" y="1231620"/>
+                  <a:ext cx="2988964" cy="369332"/>
+                </a:xfrm>
+                <a:prstGeom prst="rect">
+                  <a:avLst/>
+                </a:prstGeom>
+                <a:grpFill/>
+              </p:spPr>
+              <p:txBody>
+                <a:bodyPr wrap="square" rtlCol="0">
+                  <a:spAutoFit/>
+                </a:bodyPr>
+                <a:lstStyle/>
+                <a:p>
+                  <a:r>
+                    <a:rPr lang="ja-JP" altLang="en-US" dirty="0"/>
+                    <a:t>裏ドラ表示牌</a:t>
+                  </a:r>
+                  <a:r>
+                    <a:rPr kumimoji="1" lang="ja-JP" altLang="en-US" dirty="0"/>
+                    <a:t>を選んでください</a:t>
+                  </a:r>
+                </a:p>
+              </p:txBody>
+            </p:sp>
+          </p:grpSp>
+          <p:sp>
+            <p:nvSpPr>
+              <p:cNvPr id="18" name="四角形: 角を丸くする 17">
+                <a:extLst>
+                  <a:ext uri="{FF2B5EF4-FFF2-40B4-BE49-F238E27FC236}">
+                    <a16:creationId xmlns:a16="http://schemas.microsoft.com/office/drawing/2014/main" id="{FBEC9293-5598-2E03-BDD5-A56BA6F25615}"/>
+                  </a:ext>
+                </a:extLst>
+              </p:cNvPr>
+              <p:cNvSpPr/>
+              <p:nvPr/>
+            </p:nvSpPr>
+            <p:spPr>
+              <a:xfrm>
+                <a:off x="6993552" y="2577789"/>
+                <a:ext cx="727309" cy="369332"/>
+              </a:xfrm>
+              <a:prstGeom prst="roundRect">
+                <a:avLst/>
+              </a:prstGeom>
+              <a:grpFill/>
+              <a:ln w="38100">
+                <a:solidFill>
+                  <a:srgbClr val="FF6633"/>
+                </a:solidFill>
+              </a:ln>
+            </p:spPr>
+            <p:style>
+              <a:lnRef idx="2">
+                <a:schemeClr val="accent1">
+                  <a:shade val="15000"/>
+                </a:schemeClr>
+              </a:lnRef>
+              <a:fillRef idx="1">
+                <a:schemeClr val="accent1"/>
+              </a:fillRef>
+              <a:effectRef idx="0">
+                <a:schemeClr val="accent1"/>
+              </a:effectRef>
+              <a:fontRef idx="minor">
+                <a:schemeClr val="lt1"/>
+              </a:fontRef>
+            </p:style>
+            <p:txBody>
+              <a:bodyPr rtlCol="0" anchor="ctr"/>
+              <a:lstStyle/>
+              <a:p>
+                <a:pPr algn="ctr"/>
+                <a:r>
+                  <a:rPr kumimoji="1" lang="ja-JP" altLang="en-US">
+                    <a:solidFill>
+                      <a:schemeClr val="tx1"/>
+                    </a:solidFill>
+                  </a:rPr>
+                  <a:t>決定</a:t>
+                </a:r>
+              </a:p>
+            </p:txBody>
+          </p:sp>
+        </p:grpSp>
+        <p:sp>
+          <p:nvSpPr>
+            <p:cNvPr id="35" name="四角形: 角を丸くする 34">
+              <a:extLst>
+                <a:ext uri="{FF2B5EF4-FFF2-40B4-BE49-F238E27FC236}">
+                  <a16:creationId xmlns:a16="http://schemas.microsoft.com/office/drawing/2014/main" id="{B26B37E9-FF73-561C-6B03-4556040DB109}"/>
+                </a:ext>
+              </a:extLst>
+            </p:cNvPr>
+            <p:cNvSpPr/>
+            <p:nvPr/>
+          </p:nvSpPr>
+          <p:spPr>
+            <a:xfrm>
+              <a:off x="7978820" y="2656160"/>
+              <a:ext cx="609600" cy="816078"/>
+            </a:xfrm>
+            <a:prstGeom prst="roundRect">
+              <a:avLst/>
+            </a:prstGeom>
+            <a:solidFill>
+              <a:schemeClr val="bg1"/>
+            </a:solidFill>
+            <a:ln>
+              <a:solidFill>
+                <a:schemeClr val="tx1"/>
+              </a:solidFill>
+              <a:prstDash val="dash"/>
+            </a:ln>
+          </p:spPr>
+          <p:style>
+            <a:lnRef idx="2">
+              <a:schemeClr val="accent6"/>
+            </a:lnRef>
+            <a:fillRef idx="1">
+              <a:schemeClr val="lt1"/>
+            </a:fillRef>
+            <a:effectRef idx="0">
+              <a:schemeClr val="accent6"/>
+            </a:effectRef>
+            <a:fontRef idx="minor">
+              <a:schemeClr val="dk1"/>
+            </a:fontRef>
+          </p:style>
+          <p:txBody>
+            <a:bodyPr rtlCol="0" anchor="ctr"/>
+            <a:lstStyle/>
+            <a:p>
+              <a:pPr algn="ctr"/>
+              <a:endParaRPr kumimoji="1" lang="ja-JP" altLang="en-US"/>
+            </a:p>
+          </p:txBody>
+        </p:sp>
+        <p:pic>
+          <p:nvPicPr>
+            <p:cNvPr id="36" name="図 35" descr="文字の書かれた紙&#10;&#10;中程度の精度で自動的に生成された説明">
+              <a:extLst>
+                <a:ext uri="{FF2B5EF4-FFF2-40B4-BE49-F238E27FC236}">
+                  <a16:creationId xmlns:a16="http://schemas.microsoft.com/office/drawing/2014/main" id="{F4637C05-C5A9-8DFB-7B6E-957DC6C18C3B}"/>
+                </a:ext>
+              </a:extLst>
+            </p:cNvPr>
+            <p:cNvPicPr>
+              <a:picLocks noChangeAspect="1"/>
+            </p:cNvPicPr>
+            <p:nvPr/>
+          </p:nvPicPr>
+          <p:blipFill>
+            <a:blip r:embed="rId2">
+              <a:extLst>
+                <a:ext uri="{28A0092B-C50C-407E-A947-70E740481C1C}">
+                  <a14:useLocalDpi xmlns:a14="http://schemas.microsoft.com/office/drawing/2010/main" val="0"/>
+                </a:ext>
+              </a:extLst>
+            </a:blip>
+            <a:stretch>
+              <a:fillRect/>
+            </a:stretch>
+          </p:blipFill>
+          <p:spPr>
+            <a:xfrm>
+              <a:off x="8699229" y="2651742"/>
+              <a:ext cx="590632" cy="847843"/>
+            </a:xfrm>
+            <a:prstGeom prst="rect">
+              <a:avLst/>
+            </a:prstGeom>
+          </p:spPr>
+        </p:pic>
+        <p:pic>
+          <p:nvPicPr>
+            <p:cNvPr id="37" name="図 36" descr="文字の書かれた紙&#10;&#10;中程度の精度で自動的に生成された説明">
+              <a:extLst>
+                <a:ext uri="{FF2B5EF4-FFF2-40B4-BE49-F238E27FC236}">
+                  <a16:creationId xmlns:a16="http://schemas.microsoft.com/office/drawing/2014/main" id="{DFA21A3A-9C3C-28AD-C910-91D1EC75AB05}"/>
+                </a:ext>
+              </a:extLst>
+            </p:cNvPr>
+            <p:cNvPicPr>
+              <a:picLocks noChangeAspect="1"/>
+            </p:cNvPicPr>
+            <p:nvPr/>
+          </p:nvPicPr>
+          <p:blipFill>
+            <a:blip r:embed="rId2">
+              <a:extLst>
+                <a:ext uri="{28A0092B-C50C-407E-A947-70E740481C1C}">
+                  <a14:useLocalDpi xmlns:a14="http://schemas.microsoft.com/office/drawing/2010/main" val="0"/>
+                </a:ext>
+              </a:extLst>
+            </a:blip>
+            <a:stretch>
+              <a:fillRect/>
+            </a:stretch>
+          </p:blipFill>
+          <p:spPr>
+            <a:xfrm>
+              <a:off x="9361508" y="2642348"/>
+              <a:ext cx="590632" cy="847843"/>
+            </a:xfrm>
+            <a:prstGeom prst="rect">
+              <a:avLst/>
+            </a:prstGeom>
+          </p:spPr>
+        </p:pic>
+        <p:pic>
+          <p:nvPicPr>
+            <p:cNvPr id="38" name="図 37" descr="文字の書かれた紙&#10;&#10;中程度の精度で自動的に生成された説明">
+              <a:extLst>
+                <a:ext uri="{FF2B5EF4-FFF2-40B4-BE49-F238E27FC236}">
+                  <a16:creationId xmlns:a16="http://schemas.microsoft.com/office/drawing/2014/main" id="{64B8F1AB-C24E-BE58-2314-DE910CCF8910}"/>
+                </a:ext>
+              </a:extLst>
+            </p:cNvPr>
+            <p:cNvPicPr>
+              <a:picLocks noChangeAspect="1"/>
+            </p:cNvPicPr>
+            <p:nvPr/>
+          </p:nvPicPr>
+          <p:blipFill>
+            <a:blip r:embed="rId2">
+              <a:extLst>
+                <a:ext uri="{28A0092B-C50C-407E-A947-70E740481C1C}">
+                  <a14:useLocalDpi xmlns:a14="http://schemas.microsoft.com/office/drawing/2010/main" val="0"/>
+                </a:ext>
+              </a:extLst>
+            </a:blip>
+            <a:stretch>
+              <a:fillRect/>
+            </a:stretch>
+          </p:blipFill>
+          <p:spPr>
+            <a:xfrm>
+              <a:off x="10005875" y="2640278"/>
+              <a:ext cx="590632" cy="847843"/>
+            </a:xfrm>
+            <a:prstGeom prst="rect">
+              <a:avLst/>
+            </a:prstGeom>
+          </p:spPr>
+        </p:pic>
+        <p:pic>
+          <p:nvPicPr>
+            <p:cNvPr id="39" name="図 38" descr="文字の書かれた紙&#10;&#10;中程度の精度で自動的に生成された説明">
+              <a:extLst>
+                <a:ext uri="{FF2B5EF4-FFF2-40B4-BE49-F238E27FC236}">
+                  <a16:creationId xmlns:a16="http://schemas.microsoft.com/office/drawing/2014/main" id="{D80C34B7-CEE4-BA4C-0AF9-15D5F2DBA6C9}"/>
+                </a:ext>
+              </a:extLst>
+            </p:cNvPr>
+            <p:cNvPicPr>
+              <a:picLocks noChangeAspect="1"/>
+            </p:cNvPicPr>
+            <p:nvPr/>
+          </p:nvPicPr>
+          <p:blipFill>
+            <a:blip r:embed="rId2">
+              <a:extLst>
+                <a:ext uri="{28A0092B-C50C-407E-A947-70E740481C1C}">
+                  <a14:useLocalDpi xmlns:a14="http://schemas.microsoft.com/office/drawing/2010/main" val="0"/>
+                </a:ext>
+              </a:extLst>
+            </a:blip>
+            <a:stretch>
+              <a:fillRect/>
+            </a:stretch>
+          </p:blipFill>
+          <p:spPr>
+            <a:xfrm>
+              <a:off x="10650242" y="2642982"/>
+              <a:ext cx="590632" cy="847843"/>
+            </a:xfrm>
+            <a:prstGeom prst="rect">
+              <a:avLst/>
+            </a:prstGeom>
+          </p:spPr>
+        </p:pic>
+      </p:grpSp>
     </p:spTree>
     <p:extLst>
       <p:ext uri="{BB962C8B-B14F-4D97-AF65-F5344CB8AC3E}">
@@ -13335,8 +13749,8 @@
           </a:p>
         </p:txBody>
       </p:sp>
-      <mc:AlternateContent xmlns:mc="http://schemas.openxmlformats.org/markup-compatibility/2006">
-        <mc:Choice xmlns:p14="http://schemas.microsoft.com/office/powerpoint/2010/main" Requires="p14">
+      <mc:AlternateContent xmlns:mc="http://schemas.openxmlformats.org/markup-compatibility/2006" xmlns:p14="http://schemas.microsoft.com/office/powerpoint/2010/main">
+        <mc:Choice Requires="p14">
           <p:contentPart p14:bwMode="auto" r:id="rId10">
             <p14:nvContentPartPr>
               <p14:cNvPr id="65" name="インク 64">
@@ -13355,7 +13769,7 @@
             </p14:xfrm>
           </p:contentPart>
         </mc:Choice>
-        <mc:Fallback>
+        <mc:Fallback xmlns="">
           <p:pic>
             <p:nvPicPr>
               <p:cNvPr id="65" name="インク 64">
@@ -13386,8 +13800,8 @@
           </p:pic>
         </mc:Fallback>
       </mc:AlternateContent>
-      <mc:AlternateContent xmlns:mc="http://schemas.openxmlformats.org/markup-compatibility/2006">
-        <mc:Choice xmlns:p14="http://schemas.microsoft.com/office/powerpoint/2010/main" Requires="p14">
+      <mc:AlternateContent xmlns:mc="http://schemas.openxmlformats.org/markup-compatibility/2006" xmlns:p14="http://schemas.microsoft.com/office/powerpoint/2010/main">
+        <mc:Choice Requires="p14">
           <p:contentPart p14:bwMode="auto" r:id="rId12">
             <p14:nvContentPartPr>
               <p14:cNvPr id="67" name="インク 66">
@@ -13406,7 +13820,7 @@
             </p14:xfrm>
           </p:contentPart>
         </mc:Choice>
-        <mc:Fallback>
+        <mc:Fallback xmlns="">
           <p:pic>
             <p:nvPicPr>
               <p:cNvPr id="67" name="インク 66">
@@ -13437,8 +13851,8 @@
           </p:pic>
         </mc:Fallback>
       </mc:AlternateContent>
-      <mc:AlternateContent xmlns:mc="http://schemas.openxmlformats.org/markup-compatibility/2006">
-        <mc:Choice xmlns:p14="http://schemas.microsoft.com/office/powerpoint/2010/main" xmlns:aink="http://schemas.microsoft.com/office/drawing/2016/ink" Requires="p14 aink">
+      <mc:AlternateContent xmlns:mc="http://schemas.openxmlformats.org/markup-compatibility/2006" xmlns:p14="http://schemas.microsoft.com/office/powerpoint/2010/main" xmlns:aink="http://schemas.microsoft.com/office/drawing/2016/ink">
+        <mc:Choice Requires="p14 aink">
           <p:contentPart p14:bwMode="auto" r:id="rId14">
             <p14:nvContentPartPr>
               <p14:cNvPr id="87" name="インク 86">
@@ -13457,7 +13871,7 @@
             </p14:xfrm>
           </p:contentPart>
         </mc:Choice>
-        <mc:Fallback>
+        <mc:Fallback xmlns="">
           <p:pic>
             <p:nvPicPr>
               <p:cNvPr id="87" name="インク 86">
@@ -13488,8 +13902,8 @@
           </p:pic>
         </mc:Fallback>
       </mc:AlternateContent>
-      <mc:AlternateContent xmlns:mc="http://schemas.openxmlformats.org/markup-compatibility/2006">
-        <mc:Choice xmlns:p14="http://schemas.microsoft.com/office/powerpoint/2010/main" xmlns:aink="http://schemas.microsoft.com/office/drawing/2016/ink" Requires="p14 aink">
+      <mc:AlternateContent xmlns:mc="http://schemas.openxmlformats.org/markup-compatibility/2006" xmlns:p14="http://schemas.microsoft.com/office/powerpoint/2010/main" xmlns:aink="http://schemas.microsoft.com/office/drawing/2016/ink">
+        <mc:Choice Requires="p14 aink">
           <p:contentPart p14:bwMode="auto" r:id="rId16">
             <p14:nvContentPartPr>
               <p14:cNvPr id="100" name="インク 99">
@@ -13508,7 +13922,7 @@
             </p14:xfrm>
           </p:contentPart>
         </mc:Choice>
-        <mc:Fallback>
+        <mc:Fallback xmlns="">
           <p:pic>
             <p:nvPicPr>
               <p:cNvPr id="100" name="インク 99">
@@ -13539,8 +13953,8 @@
           </p:pic>
         </mc:Fallback>
       </mc:AlternateContent>
-      <mc:AlternateContent xmlns:mc="http://schemas.openxmlformats.org/markup-compatibility/2006">
-        <mc:Choice xmlns:p14="http://schemas.microsoft.com/office/powerpoint/2010/main" xmlns:aink="http://schemas.microsoft.com/office/drawing/2016/ink" Requires="p14 aink">
+      <mc:AlternateContent xmlns:mc="http://schemas.openxmlformats.org/markup-compatibility/2006" xmlns:p14="http://schemas.microsoft.com/office/powerpoint/2010/main" xmlns:aink="http://schemas.microsoft.com/office/drawing/2016/ink">
+        <mc:Choice Requires="p14 aink">
           <p:contentPart p14:bwMode="auto" r:id="rId18">
             <p14:nvContentPartPr>
               <p14:cNvPr id="102" name="インク 101">
@@ -13559,7 +13973,7 @@
             </p14:xfrm>
           </p:contentPart>
         </mc:Choice>
-        <mc:Fallback>
+        <mc:Fallback xmlns="">
           <p:pic>
             <p:nvPicPr>
               <p:cNvPr id="102" name="インク 101">
@@ -13590,8 +14004,8 @@
           </p:pic>
         </mc:Fallback>
       </mc:AlternateContent>
-      <mc:AlternateContent xmlns:mc="http://schemas.openxmlformats.org/markup-compatibility/2006">
-        <mc:Choice xmlns:p14="http://schemas.microsoft.com/office/powerpoint/2010/main" xmlns:aink="http://schemas.microsoft.com/office/drawing/2016/ink" Requires="p14 aink">
+      <mc:AlternateContent xmlns:mc="http://schemas.openxmlformats.org/markup-compatibility/2006" xmlns:p14="http://schemas.microsoft.com/office/powerpoint/2010/main" xmlns:aink="http://schemas.microsoft.com/office/drawing/2016/ink">
+        <mc:Choice Requires="p14 aink">
           <p:contentPart p14:bwMode="auto" r:id="rId20">
             <p14:nvContentPartPr>
               <p14:cNvPr id="105" name="インク 104">
@@ -13610,7 +14024,7 @@
             </p14:xfrm>
           </p:contentPart>
         </mc:Choice>
-        <mc:Fallback>
+        <mc:Fallback xmlns="">
           <p:pic>
             <p:nvPicPr>
               <p:cNvPr id="105" name="インク 104">
@@ -50864,20 +51278,20 @@
 </file>
 
 <file path=customXml/item1.xml><?xml version="1.0" encoding="utf-8"?>
-<p:properties xmlns:p="http://schemas.microsoft.com/office/2006/metadata/properties" xmlns:xsi="http://www.w3.org/2001/XMLSchema-instance" xmlns:pc="http://schemas.microsoft.com/office/infopath/2007/PartnerControls">
-  <documentManagement>
-    <_activity xmlns="87cf0ee8-fe20-4b5a-8adf-0a4439756175" xsi:nil="true"/>
-  </documentManagement>
-</p:properties>
-</file>
-
-<file path=customXml/item2.xml><?xml version="1.0" encoding="utf-8"?>
 <?mso-contentType ?>
 <FormTemplates xmlns="http://schemas.microsoft.com/sharepoint/v3/contenttype/forms">
   <Display>DocumentLibraryForm</Display>
   <Edit>DocumentLibraryForm</Edit>
   <New>DocumentLibraryForm</New>
 </FormTemplates>
+</file>
+
+<file path=customXml/item2.xml><?xml version="1.0" encoding="utf-8"?>
+<p:properties xmlns:p="http://schemas.microsoft.com/office/2006/metadata/properties" xmlns:xsi="http://www.w3.org/2001/XMLSchema-instance" xmlns:pc="http://schemas.microsoft.com/office/infopath/2007/PartnerControls">
+  <documentManagement>
+    <_activity xmlns="87cf0ee8-fe20-4b5a-8adf-0a4439756175" xsi:nil="true"/>
+  </documentManagement>
+</p:properties>
 </file>
 
 <file path=customXml/item3.xml><?xml version="1.0" encoding="utf-8"?>
@@ -51031,6 +51445,14 @@
 </file>
 
 <file path=customXml/itemProps1.xml><?xml version="1.0" encoding="utf-8"?>
+<ds:datastoreItem xmlns:ds="http://schemas.openxmlformats.org/officeDocument/2006/customXml" ds:itemID="{C8E97AB0-2E7B-4458-A3F7-BE7C257FBE03}">
+  <ds:schemaRefs>
+    <ds:schemaRef ds:uri="http://schemas.microsoft.com/sharepoint/v3/contenttype/forms"/>
+  </ds:schemaRefs>
+</ds:datastoreItem>
+</file>
+
+<file path=customXml/itemProps2.xml><?xml version="1.0" encoding="utf-8"?>
 <ds:datastoreItem xmlns:ds="http://schemas.openxmlformats.org/officeDocument/2006/customXml" ds:itemID="{67B23809-654E-4A73-8A19-A5D6FCDE32FC}">
   <ds:schemaRefs>
     <ds:schemaRef ds:uri="87cf0ee8-fe20-4b5a-8adf-0a4439756175"/>
@@ -51042,14 +51464,6 @@
     <ds:schemaRef ds:uri="http://schemas.microsoft.com/office/infopath/2007/PartnerControls"/>
     <ds:schemaRef ds:uri="http://schemas.openxmlformats.org/package/2006/metadata/core-properties"/>
     <ds:schemaRef ds:uri="http://www.w3.org/XML/1998/namespace"/>
-  </ds:schemaRefs>
-</ds:datastoreItem>
-</file>
-
-<file path=customXml/itemProps2.xml><?xml version="1.0" encoding="utf-8"?>
-<ds:datastoreItem xmlns:ds="http://schemas.openxmlformats.org/officeDocument/2006/customXml" ds:itemID="{C8E97AB0-2E7B-4458-A3F7-BE7C257FBE03}">
-  <ds:schemaRefs>
-    <ds:schemaRef ds:uri="http://schemas.microsoft.com/sharepoint/v3/contenttype/forms"/>
   </ds:schemaRefs>
 </ds:datastoreItem>
 </file>
